--- a/markdown/java-jvm/images/gif_vorlage/arraylist_vorlage.pptx
+++ b/markdown/java-jvm/images/gif_vorlage/arraylist_vorlage.pptx
@@ -13,8 +13,6 @@
     <p:sldId id="266" r:id="rId7"/>
     <p:sldId id="258" r:id="rId8"/>
     <p:sldId id="259" r:id="rId9"/>
-    <p:sldId id="260" r:id="rId10"/>
-    <p:sldId id="257" r:id="rId11"/>
   </p:sldIdLst>
   <p:sldSz cx="12192000" cy="6858000"/>
   <p:notesSz cx="6858000" cy="9144000"/>
@@ -113,6 +111,11 @@
       </a:defRPr>
     </a:lvl9pPr>
   </p:defaultTextStyle>
+  <p:extLst>
+    <p:ext uri="{EFAFB233-063F-42B5-8137-9DF3F51BA10A}">
+      <p15:sldGuideLst xmlns:p15="http://schemas.microsoft.com/office/powerpoint/2012/main"/>
+    </p:ext>
+  </p:extLst>
 </p:presentation>
 </file>
 
@@ -3820,132 +3823,6 @@
           </a:p>
         </p:txBody>
       </p:sp>
-      <p:sp>
-        <p:nvSpPr>
-          <p:cNvPr id="14" name="Textfeld 13">
-            <a:extLst>
-              <a:ext uri="{FF2B5EF4-FFF2-40B4-BE49-F238E27FC236}">
-                <a16:creationId xmlns:a16="http://schemas.microsoft.com/office/drawing/2014/main" id="{17C63B1F-3CC3-7C85-D23D-9F54EDEBFD15}"/>
-              </a:ext>
-            </a:extLst>
-          </p:cNvPr>
-          <p:cNvSpPr txBox="1"/>
-          <p:nvPr/>
-        </p:nvSpPr>
-        <p:spPr>
-          <a:xfrm>
-            <a:off x="343248" y="3721341"/>
-            <a:ext cx="2280407" cy="369332"/>
-          </a:xfrm>
-          <a:prstGeom prst="rect">
-            <a:avLst/>
-          </a:prstGeom>
-          <a:noFill/>
-        </p:spPr>
-        <p:txBody>
-          <a:bodyPr wrap="square" rtlCol="0">
-            <a:spAutoFit/>
-          </a:bodyPr>
-          <a:lstStyle/>
-          <a:p>
-            <a:r>
-              <a:rPr lang="de-DE" dirty="0" err="1"/>
-              <a:t>add</a:t>
-            </a:r>
-            <a:r>
-              <a:rPr lang="de-DE" dirty="0"/>
-              <a:t>(5);</a:t>
-            </a:r>
-          </a:p>
-        </p:txBody>
-      </p:sp>
-      <p:sp>
-        <p:nvSpPr>
-          <p:cNvPr id="16" name="Textfeld 15">
-            <a:extLst>
-              <a:ext uri="{FF2B5EF4-FFF2-40B4-BE49-F238E27FC236}">
-                <a16:creationId xmlns:a16="http://schemas.microsoft.com/office/drawing/2014/main" id="{DCE8B92F-FC11-2BE3-D6E0-69882B2CFA9A}"/>
-              </a:ext>
-            </a:extLst>
-          </p:cNvPr>
-          <p:cNvSpPr txBox="1"/>
-          <p:nvPr/>
-        </p:nvSpPr>
-        <p:spPr>
-          <a:xfrm>
-            <a:off x="343247" y="3721341"/>
-            <a:ext cx="2280407" cy="369332"/>
-          </a:xfrm>
-          <a:prstGeom prst="rect">
-            <a:avLst/>
-          </a:prstGeom>
-          <a:noFill/>
-        </p:spPr>
-        <p:txBody>
-          <a:bodyPr wrap="square" rtlCol="0">
-            <a:spAutoFit/>
-          </a:bodyPr>
-          <a:lstStyle/>
-          <a:p>
-            <a:r>
-              <a:rPr lang="de-DE" dirty="0" err="1"/>
-              <a:t>add</a:t>
-            </a:r>
-            <a:r>
-              <a:rPr lang="de-DE" dirty="0"/>
-              <a:t>(4);</a:t>
-            </a:r>
-          </a:p>
-        </p:txBody>
-      </p:sp>
-      <p:sp>
-        <p:nvSpPr>
-          <p:cNvPr id="19" name="Rechteck 18">
-            <a:extLst>
-              <a:ext uri="{FF2B5EF4-FFF2-40B4-BE49-F238E27FC236}">
-                <a16:creationId xmlns:a16="http://schemas.microsoft.com/office/drawing/2014/main" id="{7DC45862-AA29-78CA-C1EB-17ADB7239F7E}"/>
-              </a:ext>
-            </a:extLst>
-          </p:cNvPr>
-          <p:cNvSpPr/>
-          <p:nvPr/>
-        </p:nvSpPr>
-        <p:spPr>
-          <a:xfrm>
-            <a:off x="343251" y="3632432"/>
-            <a:ext cx="1777767" cy="620785"/>
-          </a:xfrm>
-          <a:prstGeom prst="rect">
-            <a:avLst/>
-          </a:prstGeom>
-          <a:noFill/>
-          <a:ln w="38100"/>
-        </p:spPr>
-        <p:style>
-          <a:lnRef idx="2">
-            <a:schemeClr val="dk1">
-              <a:shade val="50000"/>
-            </a:schemeClr>
-          </a:lnRef>
-          <a:fillRef idx="1">
-            <a:schemeClr val="dk1"/>
-          </a:fillRef>
-          <a:effectRef idx="0">
-            <a:schemeClr val="dk1"/>
-          </a:effectRef>
-          <a:fontRef idx="minor">
-            <a:schemeClr val="lt1"/>
-          </a:fontRef>
-        </p:style>
-        <p:txBody>
-          <a:bodyPr rtlCol="0" anchor="ctr"/>
-          <a:lstStyle/>
-          <a:p>
-            <a:pPr algn="ctr"/>
-            <a:endParaRPr lang="de-DE"/>
-          </a:p>
-        </p:txBody>
-      </p:sp>
     </p:spTree>
     <p:extLst>
       <p:ext uri="{BB962C8B-B14F-4D97-AF65-F5344CB8AC3E}">
@@ -3980,66 +3857,14 @@
                             </p:stCondLst>
                             <p:childTnLst>
                               <p:par>
-                                <p:cTn id="5" presetID="10" presetClass="entr" presetSubtype="0" fill="hold" nodeType="withEffect">
-                                  <p:stCondLst>
-                                    <p:cond delay="2000"/>
-                                  </p:stCondLst>
-                                  <p:childTnLst>
-                                    <p:set>
-                                      <p:cBhvr>
-                                        <p:cTn id="6" dur="1" fill="hold">
-                                          <p:stCondLst>
-                                            <p:cond delay="0"/>
-                                          </p:stCondLst>
-                                        </p:cTn>
-                                        <p:tgtEl>
-                                          <p:spTgt spid="14">
-                                            <p:txEl>
-                                              <p:pRg st="0" end="0"/>
-                                            </p:txEl>
-                                          </p:spTgt>
-                                        </p:tgtEl>
-                                        <p:attrNameLst>
-                                          <p:attrName>style.visibility</p:attrName>
-                                        </p:attrNameLst>
-                                      </p:cBhvr>
-                                      <p:to>
-                                        <p:strVal val="visible"/>
-                                      </p:to>
-                                    </p:set>
-                                    <p:animEffect transition="in" filter="fade">
-                                      <p:cBhvr>
-                                        <p:cTn id="7" dur="500"/>
-                                        <p:tgtEl>
-                                          <p:spTgt spid="14">
-                                            <p:txEl>
-                                              <p:pRg st="0" end="0"/>
-                                            </p:txEl>
-                                          </p:spTgt>
-                                        </p:tgtEl>
-                                      </p:cBhvr>
-                                    </p:animEffect>
-                                  </p:childTnLst>
-                                </p:cTn>
-                              </p:par>
-                            </p:childTnLst>
-                          </p:cTn>
-                        </p:par>
-                        <p:par>
-                          <p:cTn id="8" fill="hold">
-                            <p:stCondLst>
-                              <p:cond delay="2500"/>
-                            </p:stCondLst>
-                            <p:childTnLst>
-                              <p:par>
-                                <p:cTn id="9" presetID="10" presetClass="entr" presetSubtype="0" fill="hold" nodeType="afterEffect">
+                                <p:cTn id="5" presetID="10" presetClass="entr" presetSubtype="0" fill="hold" nodeType="afterEffect">
                                   <p:stCondLst>
                                     <p:cond delay="1000"/>
                                   </p:stCondLst>
                                   <p:childTnLst>
                                     <p:set>
                                       <p:cBhvr>
-                                        <p:cTn id="10" dur="1" fill="hold">
+                                        <p:cTn id="6" dur="1" fill="hold">
                                           <p:stCondLst>
                                             <p:cond delay="0"/>
                                           </p:stCondLst>
@@ -4061,104 +3886,9 @@
                                     </p:set>
                                     <p:animEffect transition="in" filter="fade">
                                       <p:cBhvr>
-                                        <p:cTn id="11" dur="500"/>
+                                        <p:cTn id="7" dur="500"/>
                                         <p:tgtEl>
                                           <p:spTgt spid="4">
-                                            <p:txEl>
-                                              <p:pRg st="0" end="0"/>
-                                            </p:txEl>
-                                          </p:spTgt>
-                                        </p:tgtEl>
-                                      </p:cBhvr>
-                                    </p:animEffect>
-                                  </p:childTnLst>
-                                </p:cTn>
-                              </p:par>
-                              <p:par>
-                                <p:cTn id="12" presetID="10" presetClass="exit" presetSubtype="0" fill="hold" nodeType="withEffect">
-                                  <p:stCondLst>
-                                    <p:cond delay="1000"/>
-                                  </p:stCondLst>
-                                  <p:childTnLst>
-                                    <p:animEffect transition="out" filter="fade">
-                                      <p:cBhvr>
-                                        <p:cTn id="13" dur="500"/>
-                                        <p:tgtEl>
-                                          <p:spTgt spid="14">
-                                            <p:txEl>
-                                              <p:pRg st="0" end="0"/>
-                                            </p:txEl>
-                                          </p:spTgt>
-                                        </p:tgtEl>
-                                      </p:cBhvr>
-                                    </p:animEffect>
-                                    <p:set>
-                                      <p:cBhvr>
-                                        <p:cTn id="14" dur="1" fill="hold">
-                                          <p:stCondLst>
-                                            <p:cond delay="499"/>
-                                          </p:stCondLst>
-                                        </p:cTn>
-                                        <p:tgtEl>
-                                          <p:spTgt spid="14">
-                                            <p:txEl>
-                                              <p:pRg st="0" end="0"/>
-                                            </p:txEl>
-                                          </p:spTgt>
-                                        </p:tgtEl>
-                                        <p:attrNameLst>
-                                          <p:attrName>style.visibility</p:attrName>
-                                        </p:attrNameLst>
-                                      </p:cBhvr>
-                                      <p:to>
-                                        <p:strVal val="hidden"/>
-                                      </p:to>
-                                    </p:set>
-                                  </p:childTnLst>
-                                </p:cTn>
-                              </p:par>
-                            </p:childTnLst>
-                          </p:cTn>
-                        </p:par>
-                        <p:par>
-                          <p:cTn id="15" fill="hold">
-                            <p:stCondLst>
-                              <p:cond delay="4000"/>
-                            </p:stCondLst>
-                            <p:childTnLst>
-                              <p:par>
-                                <p:cTn id="16" presetID="10" presetClass="entr" presetSubtype="0" fill="hold" nodeType="afterEffect">
-                                  <p:stCondLst>
-                                    <p:cond delay="1000"/>
-                                  </p:stCondLst>
-                                  <p:childTnLst>
-                                    <p:set>
-                                      <p:cBhvr>
-                                        <p:cTn id="17" dur="1" fill="hold">
-                                          <p:stCondLst>
-                                            <p:cond delay="0"/>
-                                          </p:stCondLst>
-                                        </p:cTn>
-                                        <p:tgtEl>
-                                          <p:spTgt spid="16">
-                                            <p:txEl>
-                                              <p:pRg st="0" end="0"/>
-                                            </p:txEl>
-                                          </p:spTgt>
-                                        </p:tgtEl>
-                                        <p:attrNameLst>
-                                          <p:attrName>style.visibility</p:attrName>
-                                        </p:attrNameLst>
-                                      </p:cBhvr>
-                                      <p:to>
-                                        <p:strVal val="visible"/>
-                                      </p:to>
-                                    </p:set>
-                                    <p:animEffect transition="in" filter="fade">
-                                      <p:cBhvr>
-                                        <p:cTn id="18" dur="500"/>
-                                        <p:tgtEl>
-                                          <p:spTgt spid="16">
                                             <p:txEl>
                                               <p:pRg st="0" end="0"/>
                                             </p:txEl>
@@ -4173,20 +3903,20 @@
                           </p:cTn>
                         </p:par>
                         <p:par>
-                          <p:cTn id="19" fill="hold">
+                          <p:cTn id="8" fill="hold">
                             <p:stCondLst>
-                              <p:cond delay="5500"/>
+                              <p:cond delay="1500"/>
                             </p:stCondLst>
                             <p:childTnLst>
                               <p:par>
-                                <p:cTn id="20" presetID="10" presetClass="entr" presetSubtype="0" fill="hold" nodeType="afterEffect">
+                                <p:cTn id="9" presetID="10" presetClass="entr" presetSubtype="0" fill="hold" nodeType="afterEffect">
                                   <p:stCondLst>
                                     <p:cond delay="1000"/>
                                   </p:stCondLst>
                                   <p:childTnLst>
                                     <p:set>
                                       <p:cBhvr>
-                                        <p:cTn id="21" dur="1" fill="hold">
+                                        <p:cTn id="10" dur="1" fill="hold">
                                           <p:stCondLst>
                                             <p:cond delay="0"/>
                                           </p:stCondLst>
@@ -4208,7 +3938,7 @@
                                     </p:set>
                                     <p:animEffect transition="in" filter="fade">
                                       <p:cBhvr>
-                                        <p:cTn id="22" dur="500"/>
+                                        <p:cTn id="11" dur="500"/>
                                         <p:tgtEl>
                                           <p:spTgt spid="5">
                                             <p:txEl>
@@ -4221,67 +3951,24 @@
                                   </p:childTnLst>
                                 </p:cTn>
                               </p:par>
-                              <p:par>
-                                <p:cTn id="23" presetID="10" presetClass="exit" presetSubtype="0" fill="hold" nodeType="withEffect">
-                                  <p:stCondLst>
-                                    <p:cond delay="1000"/>
-                                  </p:stCondLst>
-                                  <p:childTnLst>
-                                    <p:animEffect transition="out" filter="fade">
-                                      <p:cBhvr>
-                                        <p:cTn id="24" dur="500"/>
-                                        <p:tgtEl>
-                                          <p:spTgt spid="16">
-                                            <p:txEl>
-                                              <p:pRg st="0" end="0"/>
-                                            </p:txEl>
-                                          </p:spTgt>
-                                        </p:tgtEl>
-                                      </p:cBhvr>
-                                    </p:animEffect>
-                                    <p:set>
-                                      <p:cBhvr>
-                                        <p:cTn id="25" dur="1" fill="hold">
-                                          <p:stCondLst>
-                                            <p:cond delay="499"/>
-                                          </p:stCondLst>
-                                        </p:cTn>
-                                        <p:tgtEl>
-                                          <p:spTgt spid="16">
-                                            <p:txEl>
-                                              <p:pRg st="0" end="0"/>
-                                            </p:txEl>
-                                          </p:spTgt>
-                                        </p:tgtEl>
-                                        <p:attrNameLst>
-                                          <p:attrName>style.visibility</p:attrName>
-                                        </p:attrNameLst>
-                                      </p:cBhvr>
-                                      <p:to>
-                                        <p:strVal val="hidden"/>
-                                      </p:to>
-                                    </p:set>
-                                  </p:childTnLst>
-                                </p:cTn>
-                              </p:par>
                             </p:childTnLst>
                           </p:cTn>
                         </p:par>
                         <p:par>
-                          <p:cTn id="26" fill="hold">
+                          <p:cTn id="12" fill="hold">
                             <p:stCondLst>
-                              <p:cond delay="7000"/>
+                              <p:cond delay="3000"/>
                             </p:stCondLst>
                             <p:childTnLst>
                               <p:par>
-                                <p:cTn id="27" presetID="10" presetClass="entr" presetSubtype="0" fill="hold" nodeType="afterEffect">
+                                <p:cTn id="13" presetID="10" presetClass="entr" presetSubtype="0" fill="hold" nodeType="afterEffect">
                                   <p:stCondLst>
                                     <p:cond delay="1000"/>
                                   </p:stCondLst>
                                   <p:childTnLst>
                                     <p:set>
                                       <p:cBhvr>
-                                        <p:cTn id="28" dur="1" fill="hold">
+                                        <p:cTn id="14" dur="1" fill="hold">
                                           <p:stCondLst>
                                             <p:cond delay="0"/>
                                           </p:stCondLst>
@@ -4303,7 +3990,7 @@
                                     </p:set>
                                     <p:animEffect transition="in" filter="fade">
                                       <p:cBhvr>
-                                        <p:cTn id="29" dur="500"/>
+                                        <p:cTn id="15" dur="500"/>
                                         <p:tgtEl>
                                           <p:spTgt spid="6">
                                             <p:txEl>
@@ -4317,14 +4004,14 @@
                                 </p:cTn>
                               </p:par>
                               <p:par>
-                                <p:cTn id="30" presetID="10" presetClass="entr" presetSubtype="0" fill="hold" nodeType="withEffect">
+                                <p:cTn id="16" presetID="10" presetClass="entr" presetSubtype="0" fill="hold" nodeType="withEffect">
                                   <p:stCondLst>
                                     <p:cond delay="1000"/>
                                   </p:stCondLst>
                                   <p:childTnLst>
                                     <p:set>
                                       <p:cBhvr>
-                                        <p:cTn id="31" dur="1" fill="hold">
+                                        <p:cTn id="17" dur="1" fill="hold">
                                           <p:stCondLst>
                                             <p:cond delay="0"/>
                                           </p:stCondLst>
@@ -4346,7 +4033,7 @@
                                     </p:set>
                                     <p:animEffect transition="in" filter="fade">
                                       <p:cBhvr>
-                                        <p:cTn id="32" dur="500"/>
+                                        <p:cTn id="18" dur="500"/>
                                         <p:tgtEl>
                                           <p:spTgt spid="7">
                                             <p:txEl>
@@ -4360,14 +4047,14 @@
                                 </p:cTn>
                               </p:par>
                               <p:par>
-                                <p:cTn id="33" presetID="10" presetClass="entr" presetSubtype="0" fill="hold" nodeType="withEffect">
+                                <p:cTn id="19" presetID="10" presetClass="entr" presetSubtype="0" fill="hold" nodeType="withEffect">
                                   <p:stCondLst>
                                     <p:cond delay="1000"/>
                                   </p:stCondLst>
                                   <p:childTnLst>
                                     <p:set>
                                       <p:cBhvr>
-                                        <p:cTn id="34" dur="1" fill="hold">
+                                        <p:cTn id="20" dur="1" fill="hold">
                                           <p:stCondLst>
                                             <p:cond delay="0"/>
                                           </p:stCondLst>
@@ -4389,7 +4076,7 @@
                                     </p:set>
                                     <p:animEffect transition="in" filter="fade">
                                       <p:cBhvr>
-                                        <p:cTn id="35" dur="500"/>
+                                        <p:cTn id="21" dur="500"/>
                                         <p:tgtEl>
                                           <p:spTgt spid="8">
                                             <p:txEl>
@@ -4403,14 +4090,14 @@
                                 </p:cTn>
                               </p:par>
                               <p:par>
-                                <p:cTn id="36" presetID="10" presetClass="entr" presetSubtype="0" fill="hold" nodeType="withEffect">
+                                <p:cTn id="22" presetID="10" presetClass="entr" presetSubtype="0" fill="hold" nodeType="withEffect">
                                   <p:stCondLst>
                                     <p:cond delay="1000"/>
                                   </p:stCondLst>
                                   <p:childTnLst>
                                     <p:set>
                                       <p:cBhvr>
-                                        <p:cTn id="37" dur="1" fill="hold">
+                                        <p:cTn id="23" dur="1" fill="hold">
                                           <p:stCondLst>
                                             <p:cond delay="0"/>
                                           </p:stCondLst>
@@ -4432,7 +4119,7 @@
                                     </p:set>
                                     <p:animEffect transition="in" filter="fade">
                                       <p:cBhvr>
-                                        <p:cTn id="38" dur="500"/>
+                                        <p:cTn id="24" dur="500"/>
                                         <p:tgtEl>
                                           <p:spTgt spid="9">
                                             <p:txEl>
@@ -4446,14 +4133,14 @@
                                 </p:cTn>
                               </p:par>
                               <p:par>
-                                <p:cTn id="39" presetID="10" presetClass="entr" presetSubtype="0" fill="hold" nodeType="withEffect">
+                                <p:cTn id="25" presetID="10" presetClass="entr" presetSubtype="0" fill="hold" nodeType="withEffect">
                                   <p:stCondLst>
                                     <p:cond delay="1000"/>
                                   </p:stCondLst>
                                   <p:childTnLst>
                                     <p:set>
                                       <p:cBhvr>
-                                        <p:cTn id="40" dur="1" fill="hold">
+                                        <p:cTn id="26" dur="1" fill="hold">
                                           <p:stCondLst>
                                             <p:cond delay="0"/>
                                           </p:stCondLst>
@@ -4475,7 +4162,7 @@
                                     </p:set>
                                     <p:animEffect transition="in" filter="fade">
                                       <p:cBhvr>
-                                        <p:cTn id="41" dur="500"/>
+                                        <p:cTn id="27" dur="500"/>
                                         <p:tgtEl>
                                           <p:spTgt spid="10">
                                             <p:txEl>
@@ -4489,14 +4176,14 @@
                                 </p:cTn>
                               </p:par>
                               <p:par>
-                                <p:cTn id="42" presetID="10" presetClass="entr" presetSubtype="0" fill="hold" nodeType="withEffect">
+                                <p:cTn id="28" presetID="10" presetClass="entr" presetSubtype="0" fill="hold" nodeType="withEffect">
                                   <p:stCondLst>
                                     <p:cond delay="1000"/>
                                   </p:stCondLst>
                                   <p:childTnLst>
                                     <p:set>
                                       <p:cBhvr>
-                                        <p:cTn id="43" dur="1" fill="hold">
+                                        <p:cTn id="29" dur="1" fill="hold">
                                           <p:stCondLst>
                                             <p:cond delay="0"/>
                                           </p:stCondLst>
@@ -4518,7 +4205,7 @@
                                     </p:set>
                                     <p:animEffect transition="in" filter="fade">
                                       <p:cBhvr>
-                                        <p:cTn id="44" dur="500"/>
+                                        <p:cTn id="30" dur="500"/>
                                         <p:tgtEl>
                                           <p:spTgt spid="11">
                                             <p:txEl>
@@ -4532,14 +4219,14 @@
                                 </p:cTn>
                               </p:par>
                               <p:par>
-                                <p:cTn id="45" presetID="10" presetClass="entr" presetSubtype="0" fill="hold" nodeType="withEffect">
+                                <p:cTn id="31" presetID="10" presetClass="entr" presetSubtype="0" fill="hold" nodeType="withEffect">
                                   <p:stCondLst>
                                     <p:cond delay="1000"/>
                                   </p:stCondLst>
                                   <p:childTnLst>
                                     <p:set>
                                       <p:cBhvr>
-                                        <p:cTn id="46" dur="1" fill="hold">
+                                        <p:cTn id="32" dur="1" fill="hold">
                                           <p:stCondLst>
                                             <p:cond delay="0"/>
                                           </p:stCondLst>
@@ -4561,7 +4248,7 @@
                                     </p:set>
                                     <p:animEffect transition="in" filter="fade">
                                       <p:cBhvr>
-                                        <p:cTn id="47" dur="500"/>
+                                        <p:cTn id="33" dur="500"/>
                                         <p:tgtEl>
                                           <p:spTgt spid="12">
                                             <p:txEl>
@@ -4575,14 +4262,14 @@
                                 </p:cTn>
                               </p:par>
                               <p:par>
-                                <p:cTn id="48" presetID="10" presetClass="entr" presetSubtype="0" fill="hold" nodeType="withEffect">
+                                <p:cTn id="34" presetID="10" presetClass="entr" presetSubtype="0" fill="hold" nodeType="withEffect">
                                   <p:stCondLst>
                                     <p:cond delay="1000"/>
                                   </p:stCondLst>
                                   <p:childTnLst>
                                     <p:set>
                                       <p:cBhvr>
-                                        <p:cTn id="49" dur="1" fill="hold">
+                                        <p:cTn id="35" dur="1" fill="hold">
                                           <p:stCondLst>
                                             <p:cond delay="0"/>
                                           </p:stCondLst>
@@ -4604,7 +4291,7 @@
                                     </p:set>
                                     <p:animEffect transition="in" filter="fade">
                                       <p:cBhvr>
-                                        <p:cTn id="50" dur="500"/>
+                                        <p:cTn id="36" dur="500"/>
                                         <p:tgtEl>
                                           <p:spTgt spid="13">
                                             <p:txEl>
@@ -4648,2292 +4335,6 @@
 </p:sld>
 </file>
 
-<file path=ppt/slides/slide10.xml><?xml version="1.0" encoding="utf-8"?>
-<p:sld xmlns:a="http://schemas.openxmlformats.org/drawingml/2006/main" xmlns:r="http://schemas.openxmlformats.org/officeDocument/2006/relationships" xmlns:p="http://schemas.openxmlformats.org/presentationml/2006/main">
-  <p:cSld>
-    <p:spTree>
-      <p:nvGrpSpPr>
-        <p:cNvPr id="1" name=""/>
-        <p:cNvGrpSpPr/>
-        <p:nvPr/>
-      </p:nvGrpSpPr>
-      <p:grpSpPr>
-        <a:xfrm>
-          <a:off x="0" y="0"/>
-          <a:ext cx="0" cy="0"/>
-          <a:chOff x="0" y="0"/>
-          <a:chExt cx="0" cy="0"/>
-        </a:xfrm>
-      </p:grpSpPr>
-      <p:sp>
-        <p:nvSpPr>
-          <p:cNvPr id="4" name="Rechteck 3">
-            <a:extLst>
-              <a:ext uri="{FF2B5EF4-FFF2-40B4-BE49-F238E27FC236}">
-                <a16:creationId xmlns:a16="http://schemas.microsoft.com/office/drawing/2014/main" id="{8A7F47CC-744A-C11C-2FB5-E6FC78DE3FB6}"/>
-              </a:ext>
-            </a:extLst>
-          </p:cNvPr>
-          <p:cNvSpPr/>
-          <p:nvPr/>
-        </p:nvSpPr>
-        <p:spPr>
-          <a:xfrm>
-            <a:off x="1483455" y="721448"/>
-            <a:ext cx="637563" cy="620785"/>
-          </a:xfrm>
-          <a:prstGeom prst="rect">
-            <a:avLst/>
-          </a:prstGeom>
-        </p:spPr>
-        <p:style>
-          <a:lnRef idx="2">
-            <a:schemeClr val="accent1">
-              <a:shade val="50000"/>
-            </a:schemeClr>
-          </a:lnRef>
-          <a:fillRef idx="1">
-            <a:schemeClr val="accent1"/>
-          </a:fillRef>
-          <a:effectRef idx="0">
-            <a:schemeClr val="accent1"/>
-          </a:effectRef>
-          <a:fontRef idx="minor">
-            <a:schemeClr val="lt1"/>
-          </a:fontRef>
-        </p:style>
-        <p:txBody>
-          <a:bodyPr rtlCol="0" anchor="ctr"/>
-          <a:lstStyle/>
-          <a:p>
-            <a:pPr algn="ctr"/>
-            <a:endParaRPr lang="de-DE" dirty="0"/>
-          </a:p>
-        </p:txBody>
-      </p:sp>
-      <p:sp>
-        <p:nvSpPr>
-          <p:cNvPr id="5" name="Rechteck 4">
-            <a:extLst>
-              <a:ext uri="{FF2B5EF4-FFF2-40B4-BE49-F238E27FC236}">
-                <a16:creationId xmlns:a16="http://schemas.microsoft.com/office/drawing/2014/main" id="{41E59B92-CC1C-4917-FB04-01655B3B2CC9}"/>
-              </a:ext>
-            </a:extLst>
-          </p:cNvPr>
-          <p:cNvSpPr/>
-          <p:nvPr/>
-        </p:nvSpPr>
-        <p:spPr>
-          <a:xfrm>
-            <a:off x="2121018" y="721447"/>
-            <a:ext cx="637563" cy="620785"/>
-          </a:xfrm>
-          <a:prstGeom prst="rect">
-            <a:avLst/>
-          </a:prstGeom>
-        </p:spPr>
-        <p:style>
-          <a:lnRef idx="2">
-            <a:schemeClr val="accent1">
-              <a:shade val="50000"/>
-            </a:schemeClr>
-          </a:lnRef>
-          <a:fillRef idx="1">
-            <a:schemeClr val="accent1"/>
-          </a:fillRef>
-          <a:effectRef idx="0">
-            <a:schemeClr val="accent1"/>
-          </a:effectRef>
-          <a:fontRef idx="minor">
-            <a:schemeClr val="lt1"/>
-          </a:fontRef>
-        </p:style>
-        <p:txBody>
-          <a:bodyPr rtlCol="0" anchor="ctr"/>
-          <a:lstStyle/>
-          <a:p>
-            <a:pPr algn="ctr"/>
-            <a:endParaRPr lang="de-DE"/>
-          </a:p>
-        </p:txBody>
-      </p:sp>
-      <p:sp>
-        <p:nvSpPr>
-          <p:cNvPr id="6" name="Rechteck 5">
-            <a:extLst>
-              <a:ext uri="{FF2B5EF4-FFF2-40B4-BE49-F238E27FC236}">
-                <a16:creationId xmlns:a16="http://schemas.microsoft.com/office/drawing/2014/main" id="{DACD0B71-5BF3-7FC1-3692-5009DB2628C4}"/>
-              </a:ext>
-            </a:extLst>
-          </p:cNvPr>
-          <p:cNvSpPr/>
-          <p:nvPr/>
-        </p:nvSpPr>
-        <p:spPr>
-          <a:xfrm>
-            <a:off x="2758581" y="721446"/>
-            <a:ext cx="637563" cy="620785"/>
-          </a:xfrm>
-          <a:prstGeom prst="rect">
-            <a:avLst/>
-          </a:prstGeom>
-        </p:spPr>
-        <p:style>
-          <a:lnRef idx="2">
-            <a:schemeClr val="accent1">
-              <a:shade val="50000"/>
-            </a:schemeClr>
-          </a:lnRef>
-          <a:fillRef idx="1">
-            <a:schemeClr val="accent1"/>
-          </a:fillRef>
-          <a:effectRef idx="0">
-            <a:schemeClr val="accent1"/>
-          </a:effectRef>
-          <a:fontRef idx="minor">
-            <a:schemeClr val="lt1"/>
-          </a:fontRef>
-        </p:style>
-        <p:txBody>
-          <a:bodyPr rtlCol="0" anchor="ctr"/>
-          <a:lstStyle/>
-          <a:p>
-            <a:pPr algn="ctr"/>
-            <a:endParaRPr lang="de-DE"/>
-          </a:p>
-        </p:txBody>
-      </p:sp>
-      <p:sp>
-        <p:nvSpPr>
-          <p:cNvPr id="7" name="Rechteck 6">
-            <a:extLst>
-              <a:ext uri="{FF2B5EF4-FFF2-40B4-BE49-F238E27FC236}">
-                <a16:creationId xmlns:a16="http://schemas.microsoft.com/office/drawing/2014/main" id="{A9321773-DA28-F97F-846B-D068A1F58B97}"/>
-              </a:ext>
-            </a:extLst>
-          </p:cNvPr>
-          <p:cNvSpPr/>
-          <p:nvPr/>
-        </p:nvSpPr>
-        <p:spPr>
-          <a:xfrm>
-            <a:off x="3396144" y="721445"/>
-            <a:ext cx="637563" cy="620785"/>
-          </a:xfrm>
-          <a:prstGeom prst="rect">
-            <a:avLst/>
-          </a:prstGeom>
-        </p:spPr>
-        <p:style>
-          <a:lnRef idx="2">
-            <a:schemeClr val="accent1">
-              <a:shade val="50000"/>
-            </a:schemeClr>
-          </a:lnRef>
-          <a:fillRef idx="1">
-            <a:schemeClr val="accent1"/>
-          </a:fillRef>
-          <a:effectRef idx="0">
-            <a:schemeClr val="accent1"/>
-          </a:effectRef>
-          <a:fontRef idx="minor">
-            <a:schemeClr val="lt1"/>
-          </a:fontRef>
-        </p:style>
-        <p:txBody>
-          <a:bodyPr rtlCol="0" anchor="ctr"/>
-          <a:lstStyle/>
-          <a:p>
-            <a:pPr algn="ctr"/>
-            <a:endParaRPr lang="de-DE"/>
-          </a:p>
-        </p:txBody>
-      </p:sp>
-      <p:sp>
-        <p:nvSpPr>
-          <p:cNvPr id="8" name="Rechteck 7">
-            <a:extLst>
-              <a:ext uri="{FF2B5EF4-FFF2-40B4-BE49-F238E27FC236}">
-                <a16:creationId xmlns:a16="http://schemas.microsoft.com/office/drawing/2014/main" id="{A36EA94E-8940-46B3-079F-4AF702CE5864}"/>
-              </a:ext>
-            </a:extLst>
-          </p:cNvPr>
-          <p:cNvSpPr/>
-          <p:nvPr/>
-        </p:nvSpPr>
-        <p:spPr>
-          <a:xfrm>
-            <a:off x="4033707" y="721446"/>
-            <a:ext cx="637563" cy="620785"/>
-          </a:xfrm>
-          <a:prstGeom prst="rect">
-            <a:avLst/>
-          </a:prstGeom>
-        </p:spPr>
-        <p:style>
-          <a:lnRef idx="2">
-            <a:schemeClr val="accent1">
-              <a:shade val="50000"/>
-            </a:schemeClr>
-          </a:lnRef>
-          <a:fillRef idx="1">
-            <a:schemeClr val="accent1"/>
-          </a:fillRef>
-          <a:effectRef idx="0">
-            <a:schemeClr val="accent1"/>
-          </a:effectRef>
-          <a:fontRef idx="minor">
-            <a:schemeClr val="lt1"/>
-          </a:fontRef>
-        </p:style>
-        <p:txBody>
-          <a:bodyPr rtlCol="0" anchor="ctr"/>
-          <a:lstStyle/>
-          <a:p>
-            <a:pPr algn="ctr"/>
-            <a:endParaRPr lang="de-DE"/>
-          </a:p>
-        </p:txBody>
-      </p:sp>
-      <p:sp>
-        <p:nvSpPr>
-          <p:cNvPr id="9" name="Rechteck 8">
-            <a:extLst>
-              <a:ext uri="{FF2B5EF4-FFF2-40B4-BE49-F238E27FC236}">
-                <a16:creationId xmlns:a16="http://schemas.microsoft.com/office/drawing/2014/main" id="{7DE92587-3216-0574-04F3-0215968C4B79}"/>
-              </a:ext>
-            </a:extLst>
-          </p:cNvPr>
-          <p:cNvSpPr/>
-          <p:nvPr/>
-        </p:nvSpPr>
-        <p:spPr>
-          <a:xfrm>
-            <a:off x="4671270" y="721446"/>
-            <a:ext cx="637563" cy="620785"/>
-          </a:xfrm>
-          <a:prstGeom prst="rect">
-            <a:avLst/>
-          </a:prstGeom>
-        </p:spPr>
-        <p:style>
-          <a:lnRef idx="2">
-            <a:schemeClr val="accent1">
-              <a:shade val="50000"/>
-            </a:schemeClr>
-          </a:lnRef>
-          <a:fillRef idx="1">
-            <a:schemeClr val="accent1"/>
-          </a:fillRef>
-          <a:effectRef idx="0">
-            <a:schemeClr val="accent1"/>
-          </a:effectRef>
-          <a:fontRef idx="minor">
-            <a:schemeClr val="lt1"/>
-          </a:fontRef>
-        </p:style>
-        <p:txBody>
-          <a:bodyPr rtlCol="0" anchor="ctr"/>
-          <a:lstStyle/>
-          <a:p>
-            <a:pPr algn="ctr"/>
-            <a:endParaRPr lang="de-DE"/>
-          </a:p>
-        </p:txBody>
-      </p:sp>
-      <p:sp>
-        <p:nvSpPr>
-          <p:cNvPr id="10" name="Rechteck 9">
-            <a:extLst>
-              <a:ext uri="{FF2B5EF4-FFF2-40B4-BE49-F238E27FC236}">
-                <a16:creationId xmlns:a16="http://schemas.microsoft.com/office/drawing/2014/main" id="{AFD5DCAD-36FA-1168-8EEB-9725E122926D}"/>
-              </a:ext>
-            </a:extLst>
-          </p:cNvPr>
-          <p:cNvSpPr/>
-          <p:nvPr/>
-        </p:nvSpPr>
-        <p:spPr>
-          <a:xfrm>
-            <a:off x="5308833" y="721446"/>
-            <a:ext cx="637563" cy="620785"/>
-          </a:xfrm>
-          <a:prstGeom prst="rect">
-            <a:avLst/>
-          </a:prstGeom>
-        </p:spPr>
-        <p:style>
-          <a:lnRef idx="2">
-            <a:schemeClr val="accent1">
-              <a:shade val="50000"/>
-            </a:schemeClr>
-          </a:lnRef>
-          <a:fillRef idx="1">
-            <a:schemeClr val="accent1"/>
-          </a:fillRef>
-          <a:effectRef idx="0">
-            <a:schemeClr val="accent1"/>
-          </a:effectRef>
-          <a:fontRef idx="minor">
-            <a:schemeClr val="lt1"/>
-          </a:fontRef>
-        </p:style>
-        <p:txBody>
-          <a:bodyPr rtlCol="0" anchor="ctr"/>
-          <a:lstStyle/>
-          <a:p>
-            <a:pPr algn="ctr"/>
-            <a:endParaRPr lang="de-DE"/>
-          </a:p>
-        </p:txBody>
-      </p:sp>
-      <p:sp>
-        <p:nvSpPr>
-          <p:cNvPr id="11" name="Rechteck 10">
-            <a:extLst>
-              <a:ext uri="{FF2B5EF4-FFF2-40B4-BE49-F238E27FC236}">
-                <a16:creationId xmlns:a16="http://schemas.microsoft.com/office/drawing/2014/main" id="{28762E7C-E36D-5E8C-F893-179EEB409785}"/>
-              </a:ext>
-            </a:extLst>
-          </p:cNvPr>
-          <p:cNvSpPr/>
-          <p:nvPr/>
-        </p:nvSpPr>
-        <p:spPr>
-          <a:xfrm>
-            <a:off x="5946396" y="721446"/>
-            <a:ext cx="637563" cy="620785"/>
-          </a:xfrm>
-          <a:prstGeom prst="rect">
-            <a:avLst/>
-          </a:prstGeom>
-        </p:spPr>
-        <p:style>
-          <a:lnRef idx="2">
-            <a:schemeClr val="accent1">
-              <a:shade val="50000"/>
-            </a:schemeClr>
-          </a:lnRef>
-          <a:fillRef idx="1">
-            <a:schemeClr val="accent1"/>
-          </a:fillRef>
-          <a:effectRef idx="0">
-            <a:schemeClr val="accent1"/>
-          </a:effectRef>
-          <a:fontRef idx="minor">
-            <a:schemeClr val="lt1"/>
-          </a:fontRef>
-        </p:style>
-        <p:txBody>
-          <a:bodyPr rtlCol="0" anchor="ctr"/>
-          <a:lstStyle/>
-          <a:p>
-            <a:pPr algn="ctr"/>
-            <a:endParaRPr lang="de-DE"/>
-          </a:p>
-        </p:txBody>
-      </p:sp>
-      <p:sp>
-        <p:nvSpPr>
-          <p:cNvPr id="12" name="Rechteck 11">
-            <a:extLst>
-              <a:ext uri="{FF2B5EF4-FFF2-40B4-BE49-F238E27FC236}">
-                <a16:creationId xmlns:a16="http://schemas.microsoft.com/office/drawing/2014/main" id="{EA7C328B-3ED7-C6C6-CF3F-FD5480D904A7}"/>
-              </a:ext>
-            </a:extLst>
-          </p:cNvPr>
-          <p:cNvSpPr/>
-          <p:nvPr/>
-        </p:nvSpPr>
-        <p:spPr>
-          <a:xfrm>
-            <a:off x="6583959" y="721446"/>
-            <a:ext cx="637563" cy="620785"/>
-          </a:xfrm>
-          <a:prstGeom prst="rect">
-            <a:avLst/>
-          </a:prstGeom>
-        </p:spPr>
-        <p:style>
-          <a:lnRef idx="2">
-            <a:schemeClr val="accent1">
-              <a:shade val="50000"/>
-            </a:schemeClr>
-          </a:lnRef>
-          <a:fillRef idx="1">
-            <a:schemeClr val="accent1"/>
-          </a:fillRef>
-          <a:effectRef idx="0">
-            <a:schemeClr val="accent1"/>
-          </a:effectRef>
-          <a:fontRef idx="minor">
-            <a:schemeClr val="lt1"/>
-          </a:fontRef>
-        </p:style>
-        <p:txBody>
-          <a:bodyPr rtlCol="0" anchor="ctr"/>
-          <a:lstStyle/>
-          <a:p>
-            <a:pPr algn="ctr"/>
-            <a:endParaRPr lang="de-DE"/>
-          </a:p>
-        </p:txBody>
-      </p:sp>
-      <p:sp>
-        <p:nvSpPr>
-          <p:cNvPr id="13" name="Rechteck 12">
-            <a:extLst>
-              <a:ext uri="{FF2B5EF4-FFF2-40B4-BE49-F238E27FC236}">
-                <a16:creationId xmlns:a16="http://schemas.microsoft.com/office/drawing/2014/main" id="{FB142C7D-B749-FB16-9995-2C421B13C4DA}"/>
-              </a:ext>
-            </a:extLst>
-          </p:cNvPr>
-          <p:cNvSpPr/>
-          <p:nvPr/>
-        </p:nvSpPr>
-        <p:spPr>
-          <a:xfrm>
-            <a:off x="7221522" y="721445"/>
-            <a:ext cx="637563" cy="620785"/>
-          </a:xfrm>
-          <a:prstGeom prst="rect">
-            <a:avLst/>
-          </a:prstGeom>
-        </p:spPr>
-        <p:style>
-          <a:lnRef idx="2">
-            <a:schemeClr val="accent1">
-              <a:shade val="50000"/>
-            </a:schemeClr>
-          </a:lnRef>
-          <a:fillRef idx="1">
-            <a:schemeClr val="accent1"/>
-          </a:fillRef>
-          <a:effectRef idx="0">
-            <a:schemeClr val="accent1"/>
-          </a:effectRef>
-          <a:fontRef idx="minor">
-            <a:schemeClr val="lt1"/>
-          </a:fontRef>
-        </p:style>
-        <p:txBody>
-          <a:bodyPr rtlCol="0" anchor="ctr"/>
-          <a:lstStyle/>
-          <a:p>
-            <a:pPr algn="ctr"/>
-            <a:endParaRPr lang="de-DE"/>
-          </a:p>
-        </p:txBody>
-      </p:sp>
-      <p:sp>
-        <p:nvSpPr>
-          <p:cNvPr id="37" name="Rechteck 36">
-            <a:extLst>
-              <a:ext uri="{FF2B5EF4-FFF2-40B4-BE49-F238E27FC236}">
-                <a16:creationId xmlns:a16="http://schemas.microsoft.com/office/drawing/2014/main" id="{F2DCA086-42F7-D433-8033-1467D6F8BC14}"/>
-              </a:ext>
-            </a:extLst>
-          </p:cNvPr>
-          <p:cNvSpPr/>
-          <p:nvPr/>
-        </p:nvSpPr>
-        <p:spPr>
-          <a:xfrm>
-            <a:off x="7859085" y="2325141"/>
-            <a:ext cx="637563" cy="620785"/>
-          </a:xfrm>
-          <a:prstGeom prst="rect">
-            <a:avLst/>
-          </a:prstGeom>
-        </p:spPr>
-        <p:style>
-          <a:lnRef idx="2">
-            <a:schemeClr val="accent1">
-              <a:shade val="50000"/>
-            </a:schemeClr>
-          </a:lnRef>
-          <a:fillRef idx="1">
-            <a:schemeClr val="accent1"/>
-          </a:fillRef>
-          <a:effectRef idx="0">
-            <a:schemeClr val="accent1"/>
-          </a:effectRef>
-          <a:fontRef idx="minor">
-            <a:schemeClr val="lt1"/>
-          </a:fontRef>
-        </p:style>
-        <p:txBody>
-          <a:bodyPr rtlCol="0" anchor="ctr"/>
-          <a:lstStyle/>
-          <a:p>
-            <a:pPr algn="ctr"/>
-            <a:endParaRPr lang="de-DE"/>
-          </a:p>
-        </p:txBody>
-      </p:sp>
-      <p:sp>
-        <p:nvSpPr>
-          <p:cNvPr id="38" name="Rechteck 37">
-            <a:extLst>
-              <a:ext uri="{FF2B5EF4-FFF2-40B4-BE49-F238E27FC236}">
-                <a16:creationId xmlns:a16="http://schemas.microsoft.com/office/drawing/2014/main" id="{749781CA-F033-5C65-0D71-5EDFCF1FFF39}"/>
-              </a:ext>
-            </a:extLst>
-          </p:cNvPr>
-          <p:cNvSpPr/>
-          <p:nvPr/>
-        </p:nvSpPr>
-        <p:spPr>
-          <a:xfrm>
-            <a:off x="8496648" y="2325141"/>
-            <a:ext cx="637563" cy="620785"/>
-          </a:xfrm>
-          <a:prstGeom prst="rect">
-            <a:avLst/>
-          </a:prstGeom>
-        </p:spPr>
-        <p:style>
-          <a:lnRef idx="2">
-            <a:schemeClr val="accent1">
-              <a:shade val="50000"/>
-            </a:schemeClr>
-          </a:lnRef>
-          <a:fillRef idx="1">
-            <a:schemeClr val="accent1"/>
-          </a:fillRef>
-          <a:effectRef idx="0">
-            <a:schemeClr val="accent1"/>
-          </a:effectRef>
-          <a:fontRef idx="minor">
-            <a:schemeClr val="lt1"/>
-          </a:fontRef>
-        </p:style>
-        <p:txBody>
-          <a:bodyPr rtlCol="0" anchor="ctr"/>
-          <a:lstStyle/>
-          <a:p>
-            <a:pPr algn="ctr"/>
-            <a:endParaRPr lang="de-DE"/>
-          </a:p>
-        </p:txBody>
-      </p:sp>
-      <p:sp>
-        <p:nvSpPr>
-          <p:cNvPr id="39" name="Rechteck 38">
-            <a:extLst>
-              <a:ext uri="{FF2B5EF4-FFF2-40B4-BE49-F238E27FC236}">
-                <a16:creationId xmlns:a16="http://schemas.microsoft.com/office/drawing/2014/main" id="{F808FCDD-7F75-8363-FBA4-B2C3BAB43030}"/>
-              </a:ext>
-            </a:extLst>
-          </p:cNvPr>
-          <p:cNvSpPr/>
-          <p:nvPr/>
-        </p:nvSpPr>
-        <p:spPr>
-          <a:xfrm>
-            <a:off x="9134211" y="2325141"/>
-            <a:ext cx="637563" cy="620785"/>
-          </a:xfrm>
-          <a:prstGeom prst="rect">
-            <a:avLst/>
-          </a:prstGeom>
-        </p:spPr>
-        <p:style>
-          <a:lnRef idx="2">
-            <a:schemeClr val="accent1">
-              <a:shade val="50000"/>
-            </a:schemeClr>
-          </a:lnRef>
-          <a:fillRef idx="1">
-            <a:schemeClr val="accent1"/>
-          </a:fillRef>
-          <a:effectRef idx="0">
-            <a:schemeClr val="accent1"/>
-          </a:effectRef>
-          <a:fontRef idx="minor">
-            <a:schemeClr val="lt1"/>
-          </a:fontRef>
-        </p:style>
-        <p:txBody>
-          <a:bodyPr rtlCol="0" anchor="ctr"/>
-          <a:lstStyle/>
-          <a:p>
-            <a:pPr algn="ctr"/>
-            <a:endParaRPr lang="de-DE"/>
-          </a:p>
-        </p:txBody>
-      </p:sp>
-      <p:sp>
-        <p:nvSpPr>
-          <p:cNvPr id="40" name="Rechteck 39">
-            <a:extLst>
-              <a:ext uri="{FF2B5EF4-FFF2-40B4-BE49-F238E27FC236}">
-                <a16:creationId xmlns:a16="http://schemas.microsoft.com/office/drawing/2014/main" id="{F3E7019C-E239-DD0D-E7AF-902EA4798091}"/>
-              </a:ext>
-            </a:extLst>
-          </p:cNvPr>
-          <p:cNvSpPr/>
-          <p:nvPr/>
-        </p:nvSpPr>
-        <p:spPr>
-          <a:xfrm>
-            <a:off x="9771774" y="2325141"/>
-            <a:ext cx="637563" cy="620785"/>
-          </a:xfrm>
-          <a:prstGeom prst="rect">
-            <a:avLst/>
-          </a:prstGeom>
-        </p:spPr>
-        <p:style>
-          <a:lnRef idx="2">
-            <a:schemeClr val="accent1">
-              <a:shade val="50000"/>
-            </a:schemeClr>
-          </a:lnRef>
-          <a:fillRef idx="1">
-            <a:schemeClr val="accent1"/>
-          </a:fillRef>
-          <a:effectRef idx="0">
-            <a:schemeClr val="accent1"/>
-          </a:effectRef>
-          <a:fontRef idx="minor">
-            <a:schemeClr val="lt1"/>
-          </a:fontRef>
-        </p:style>
-        <p:txBody>
-          <a:bodyPr rtlCol="0" anchor="ctr"/>
-          <a:lstStyle/>
-          <a:p>
-            <a:pPr algn="ctr"/>
-            <a:endParaRPr lang="de-DE"/>
-          </a:p>
-        </p:txBody>
-      </p:sp>
-      <p:sp>
-        <p:nvSpPr>
-          <p:cNvPr id="41" name="Rechteck 40">
-            <a:extLst>
-              <a:ext uri="{FF2B5EF4-FFF2-40B4-BE49-F238E27FC236}">
-                <a16:creationId xmlns:a16="http://schemas.microsoft.com/office/drawing/2014/main" id="{5A227DA8-F04E-FDAB-B772-811BB6285EBF}"/>
-              </a:ext>
-            </a:extLst>
-          </p:cNvPr>
-          <p:cNvSpPr/>
-          <p:nvPr/>
-        </p:nvSpPr>
-        <p:spPr>
-          <a:xfrm>
-            <a:off x="10409337" y="2325140"/>
-            <a:ext cx="637563" cy="620785"/>
-          </a:xfrm>
-          <a:prstGeom prst="rect">
-            <a:avLst/>
-          </a:prstGeom>
-        </p:spPr>
-        <p:style>
-          <a:lnRef idx="2">
-            <a:schemeClr val="accent1">
-              <a:shade val="50000"/>
-            </a:schemeClr>
-          </a:lnRef>
-          <a:fillRef idx="1">
-            <a:schemeClr val="accent1"/>
-          </a:fillRef>
-          <a:effectRef idx="0">
-            <a:schemeClr val="accent1"/>
-          </a:effectRef>
-          <a:fontRef idx="minor">
-            <a:schemeClr val="lt1"/>
-          </a:fontRef>
-        </p:style>
-        <p:txBody>
-          <a:bodyPr rtlCol="0" anchor="ctr"/>
-          <a:lstStyle/>
-          <a:p>
-            <a:pPr algn="ctr"/>
-            <a:endParaRPr lang="de-DE"/>
-          </a:p>
-        </p:txBody>
-      </p:sp>
-      <p:sp>
-        <p:nvSpPr>
-          <p:cNvPr id="42" name="Rechteck 41">
-            <a:extLst>
-              <a:ext uri="{FF2B5EF4-FFF2-40B4-BE49-F238E27FC236}">
-                <a16:creationId xmlns:a16="http://schemas.microsoft.com/office/drawing/2014/main" id="{534395B3-F8D0-3002-772C-08960FA1B66B}"/>
-              </a:ext>
-            </a:extLst>
-          </p:cNvPr>
-          <p:cNvSpPr/>
-          <p:nvPr/>
-        </p:nvSpPr>
-        <p:spPr>
-          <a:xfrm>
-            <a:off x="2758581" y="2325141"/>
-            <a:ext cx="637563" cy="620785"/>
-          </a:xfrm>
-          <a:prstGeom prst="rect">
-            <a:avLst/>
-          </a:prstGeom>
-        </p:spPr>
-        <p:style>
-          <a:lnRef idx="2">
-            <a:schemeClr val="accent1">
-              <a:shade val="50000"/>
-            </a:schemeClr>
-          </a:lnRef>
-          <a:fillRef idx="1">
-            <a:schemeClr val="accent1"/>
-          </a:fillRef>
-          <a:effectRef idx="0">
-            <a:schemeClr val="accent1"/>
-          </a:effectRef>
-          <a:fontRef idx="minor">
-            <a:schemeClr val="lt1"/>
-          </a:fontRef>
-        </p:style>
-        <p:txBody>
-          <a:bodyPr rtlCol="0" anchor="ctr"/>
-          <a:lstStyle/>
-          <a:p>
-            <a:pPr algn="ctr"/>
-            <a:endParaRPr lang="de-DE"/>
-          </a:p>
-        </p:txBody>
-      </p:sp>
-      <p:sp>
-        <p:nvSpPr>
-          <p:cNvPr id="43" name="Rechteck 42">
-            <a:extLst>
-              <a:ext uri="{FF2B5EF4-FFF2-40B4-BE49-F238E27FC236}">
-                <a16:creationId xmlns:a16="http://schemas.microsoft.com/office/drawing/2014/main" id="{DBDCE8C3-EBD3-6850-AB4E-7A3142813F5C}"/>
-              </a:ext>
-            </a:extLst>
-          </p:cNvPr>
-          <p:cNvSpPr/>
-          <p:nvPr/>
-        </p:nvSpPr>
-        <p:spPr>
-          <a:xfrm>
-            <a:off x="3396144" y="2325140"/>
-            <a:ext cx="637563" cy="620785"/>
-          </a:xfrm>
-          <a:prstGeom prst="rect">
-            <a:avLst/>
-          </a:prstGeom>
-        </p:spPr>
-        <p:style>
-          <a:lnRef idx="2">
-            <a:schemeClr val="accent1">
-              <a:shade val="50000"/>
-            </a:schemeClr>
-          </a:lnRef>
-          <a:fillRef idx="1">
-            <a:schemeClr val="accent1"/>
-          </a:fillRef>
-          <a:effectRef idx="0">
-            <a:schemeClr val="accent1"/>
-          </a:effectRef>
-          <a:fontRef idx="minor">
-            <a:schemeClr val="lt1"/>
-          </a:fontRef>
-        </p:style>
-        <p:txBody>
-          <a:bodyPr rtlCol="0" anchor="ctr"/>
-          <a:lstStyle/>
-          <a:p>
-            <a:pPr algn="ctr"/>
-            <a:endParaRPr lang="de-DE"/>
-          </a:p>
-        </p:txBody>
-      </p:sp>
-      <p:sp>
-        <p:nvSpPr>
-          <p:cNvPr id="44" name="Rechteck 43">
-            <a:extLst>
-              <a:ext uri="{FF2B5EF4-FFF2-40B4-BE49-F238E27FC236}">
-                <a16:creationId xmlns:a16="http://schemas.microsoft.com/office/drawing/2014/main" id="{109D93B1-7F91-0FE0-367B-8AEEA54DF6A7}"/>
-              </a:ext>
-            </a:extLst>
-          </p:cNvPr>
-          <p:cNvSpPr/>
-          <p:nvPr/>
-        </p:nvSpPr>
-        <p:spPr>
-          <a:xfrm>
-            <a:off x="4033707" y="2325141"/>
-            <a:ext cx="637563" cy="620785"/>
-          </a:xfrm>
-          <a:prstGeom prst="rect">
-            <a:avLst/>
-          </a:prstGeom>
-        </p:spPr>
-        <p:style>
-          <a:lnRef idx="2">
-            <a:schemeClr val="accent1">
-              <a:shade val="50000"/>
-            </a:schemeClr>
-          </a:lnRef>
-          <a:fillRef idx="1">
-            <a:schemeClr val="accent1"/>
-          </a:fillRef>
-          <a:effectRef idx="0">
-            <a:schemeClr val="accent1"/>
-          </a:effectRef>
-          <a:fontRef idx="minor">
-            <a:schemeClr val="lt1"/>
-          </a:fontRef>
-        </p:style>
-        <p:txBody>
-          <a:bodyPr rtlCol="0" anchor="ctr"/>
-          <a:lstStyle/>
-          <a:p>
-            <a:pPr algn="ctr"/>
-            <a:endParaRPr lang="de-DE"/>
-          </a:p>
-        </p:txBody>
-      </p:sp>
-      <p:sp>
-        <p:nvSpPr>
-          <p:cNvPr id="45" name="Rechteck 44">
-            <a:extLst>
-              <a:ext uri="{FF2B5EF4-FFF2-40B4-BE49-F238E27FC236}">
-                <a16:creationId xmlns:a16="http://schemas.microsoft.com/office/drawing/2014/main" id="{43AFF10A-426F-6128-48CF-71074FE9BA38}"/>
-              </a:ext>
-            </a:extLst>
-          </p:cNvPr>
-          <p:cNvSpPr/>
-          <p:nvPr/>
-        </p:nvSpPr>
-        <p:spPr>
-          <a:xfrm>
-            <a:off x="4671270" y="2325141"/>
-            <a:ext cx="637563" cy="620785"/>
-          </a:xfrm>
-          <a:prstGeom prst="rect">
-            <a:avLst/>
-          </a:prstGeom>
-        </p:spPr>
-        <p:style>
-          <a:lnRef idx="2">
-            <a:schemeClr val="accent1">
-              <a:shade val="50000"/>
-            </a:schemeClr>
-          </a:lnRef>
-          <a:fillRef idx="1">
-            <a:schemeClr val="accent1"/>
-          </a:fillRef>
-          <a:effectRef idx="0">
-            <a:schemeClr val="accent1"/>
-          </a:effectRef>
-          <a:fontRef idx="minor">
-            <a:schemeClr val="lt1"/>
-          </a:fontRef>
-        </p:style>
-        <p:txBody>
-          <a:bodyPr rtlCol="0" anchor="ctr"/>
-          <a:lstStyle/>
-          <a:p>
-            <a:pPr algn="ctr"/>
-            <a:endParaRPr lang="de-DE"/>
-          </a:p>
-        </p:txBody>
-      </p:sp>
-      <p:sp>
-        <p:nvSpPr>
-          <p:cNvPr id="46" name="Rechteck 45">
-            <a:extLst>
-              <a:ext uri="{FF2B5EF4-FFF2-40B4-BE49-F238E27FC236}">
-                <a16:creationId xmlns:a16="http://schemas.microsoft.com/office/drawing/2014/main" id="{3DA45560-ECE8-23AD-1CAE-54BC1E8517CC}"/>
-              </a:ext>
-            </a:extLst>
-          </p:cNvPr>
-          <p:cNvSpPr/>
-          <p:nvPr/>
-        </p:nvSpPr>
-        <p:spPr>
-          <a:xfrm>
-            <a:off x="5308833" y="2325141"/>
-            <a:ext cx="637563" cy="620785"/>
-          </a:xfrm>
-          <a:prstGeom prst="rect">
-            <a:avLst/>
-          </a:prstGeom>
-        </p:spPr>
-        <p:style>
-          <a:lnRef idx="2">
-            <a:schemeClr val="accent1">
-              <a:shade val="50000"/>
-            </a:schemeClr>
-          </a:lnRef>
-          <a:fillRef idx="1">
-            <a:schemeClr val="accent1"/>
-          </a:fillRef>
-          <a:effectRef idx="0">
-            <a:schemeClr val="accent1"/>
-          </a:effectRef>
-          <a:fontRef idx="minor">
-            <a:schemeClr val="lt1"/>
-          </a:fontRef>
-        </p:style>
-        <p:txBody>
-          <a:bodyPr rtlCol="0" anchor="ctr"/>
-          <a:lstStyle/>
-          <a:p>
-            <a:pPr algn="ctr"/>
-            <a:endParaRPr lang="de-DE"/>
-          </a:p>
-        </p:txBody>
-      </p:sp>
-      <p:sp>
-        <p:nvSpPr>
-          <p:cNvPr id="47" name="Rechteck 46">
-            <a:extLst>
-              <a:ext uri="{FF2B5EF4-FFF2-40B4-BE49-F238E27FC236}">
-                <a16:creationId xmlns:a16="http://schemas.microsoft.com/office/drawing/2014/main" id="{7243F183-F6A6-59FD-D5C5-678E1FB076B7}"/>
-              </a:ext>
-            </a:extLst>
-          </p:cNvPr>
-          <p:cNvSpPr/>
-          <p:nvPr/>
-        </p:nvSpPr>
-        <p:spPr>
-          <a:xfrm>
-            <a:off x="5946396" y="2325141"/>
-            <a:ext cx="637563" cy="620785"/>
-          </a:xfrm>
-          <a:prstGeom prst="rect">
-            <a:avLst/>
-          </a:prstGeom>
-        </p:spPr>
-        <p:style>
-          <a:lnRef idx="2">
-            <a:schemeClr val="accent1">
-              <a:shade val="50000"/>
-            </a:schemeClr>
-          </a:lnRef>
-          <a:fillRef idx="1">
-            <a:schemeClr val="accent1"/>
-          </a:fillRef>
-          <a:effectRef idx="0">
-            <a:schemeClr val="accent1"/>
-          </a:effectRef>
-          <a:fontRef idx="minor">
-            <a:schemeClr val="lt1"/>
-          </a:fontRef>
-        </p:style>
-        <p:txBody>
-          <a:bodyPr rtlCol="0" anchor="ctr"/>
-          <a:lstStyle/>
-          <a:p>
-            <a:pPr algn="ctr"/>
-            <a:endParaRPr lang="de-DE"/>
-          </a:p>
-        </p:txBody>
-      </p:sp>
-      <p:sp>
-        <p:nvSpPr>
-          <p:cNvPr id="48" name="Rechteck 47">
-            <a:extLst>
-              <a:ext uri="{FF2B5EF4-FFF2-40B4-BE49-F238E27FC236}">
-                <a16:creationId xmlns:a16="http://schemas.microsoft.com/office/drawing/2014/main" id="{7C4E8B17-74FF-6802-66A0-E5EAF65DDD49}"/>
-              </a:ext>
-            </a:extLst>
-          </p:cNvPr>
-          <p:cNvSpPr/>
-          <p:nvPr/>
-        </p:nvSpPr>
-        <p:spPr>
-          <a:xfrm>
-            <a:off x="6583959" y="2325141"/>
-            <a:ext cx="637563" cy="620785"/>
-          </a:xfrm>
-          <a:prstGeom prst="rect">
-            <a:avLst/>
-          </a:prstGeom>
-        </p:spPr>
-        <p:style>
-          <a:lnRef idx="2">
-            <a:schemeClr val="accent1">
-              <a:shade val="50000"/>
-            </a:schemeClr>
-          </a:lnRef>
-          <a:fillRef idx="1">
-            <a:schemeClr val="accent1"/>
-          </a:fillRef>
-          <a:effectRef idx="0">
-            <a:schemeClr val="accent1"/>
-          </a:effectRef>
-          <a:fontRef idx="minor">
-            <a:schemeClr val="lt1"/>
-          </a:fontRef>
-        </p:style>
-        <p:txBody>
-          <a:bodyPr rtlCol="0" anchor="ctr"/>
-          <a:lstStyle/>
-          <a:p>
-            <a:pPr algn="ctr"/>
-            <a:endParaRPr lang="de-DE"/>
-          </a:p>
-        </p:txBody>
-      </p:sp>
-      <p:sp>
-        <p:nvSpPr>
-          <p:cNvPr id="49" name="Rechteck 48">
-            <a:extLst>
-              <a:ext uri="{FF2B5EF4-FFF2-40B4-BE49-F238E27FC236}">
-                <a16:creationId xmlns:a16="http://schemas.microsoft.com/office/drawing/2014/main" id="{04733EE5-C43C-5F01-606D-7394DA1F83AB}"/>
-              </a:ext>
-            </a:extLst>
-          </p:cNvPr>
-          <p:cNvSpPr/>
-          <p:nvPr/>
-        </p:nvSpPr>
-        <p:spPr>
-          <a:xfrm>
-            <a:off x="7221522" y="2325140"/>
-            <a:ext cx="637563" cy="620785"/>
-          </a:xfrm>
-          <a:prstGeom prst="rect">
-            <a:avLst/>
-          </a:prstGeom>
-        </p:spPr>
-        <p:style>
-          <a:lnRef idx="2">
-            <a:schemeClr val="accent1">
-              <a:shade val="50000"/>
-            </a:schemeClr>
-          </a:lnRef>
-          <a:fillRef idx="1">
-            <a:schemeClr val="accent1"/>
-          </a:fillRef>
-          <a:effectRef idx="0">
-            <a:schemeClr val="accent1"/>
-          </a:effectRef>
-          <a:fontRef idx="minor">
-            <a:schemeClr val="lt1"/>
-          </a:fontRef>
-        </p:style>
-        <p:txBody>
-          <a:bodyPr rtlCol="0" anchor="ctr"/>
-          <a:lstStyle/>
-          <a:p>
-            <a:pPr algn="ctr"/>
-            <a:endParaRPr lang="de-DE"/>
-          </a:p>
-        </p:txBody>
-      </p:sp>
-      <p:sp>
-        <p:nvSpPr>
-          <p:cNvPr id="50" name="Rechteck 49">
-            <a:extLst>
-              <a:ext uri="{FF2B5EF4-FFF2-40B4-BE49-F238E27FC236}">
-                <a16:creationId xmlns:a16="http://schemas.microsoft.com/office/drawing/2014/main" id="{49025CEC-E664-4174-F58A-0D2F71F42F8E}"/>
-              </a:ext>
-            </a:extLst>
-          </p:cNvPr>
-          <p:cNvSpPr/>
-          <p:nvPr/>
-        </p:nvSpPr>
-        <p:spPr>
-          <a:xfrm>
-            <a:off x="1483455" y="2325141"/>
-            <a:ext cx="637563" cy="620785"/>
-          </a:xfrm>
-          <a:prstGeom prst="rect">
-            <a:avLst/>
-          </a:prstGeom>
-        </p:spPr>
-        <p:style>
-          <a:lnRef idx="2">
-            <a:schemeClr val="accent1">
-              <a:shade val="50000"/>
-            </a:schemeClr>
-          </a:lnRef>
-          <a:fillRef idx="1">
-            <a:schemeClr val="accent1"/>
-          </a:fillRef>
-          <a:effectRef idx="0">
-            <a:schemeClr val="accent1"/>
-          </a:effectRef>
-          <a:fontRef idx="minor">
-            <a:schemeClr val="lt1"/>
-          </a:fontRef>
-        </p:style>
-        <p:txBody>
-          <a:bodyPr rtlCol="0" anchor="ctr"/>
-          <a:lstStyle/>
-          <a:p>
-            <a:pPr algn="ctr"/>
-            <a:endParaRPr lang="de-DE" dirty="0"/>
-          </a:p>
-        </p:txBody>
-      </p:sp>
-      <p:sp>
-        <p:nvSpPr>
-          <p:cNvPr id="51" name="Rechteck 50">
-            <a:extLst>
-              <a:ext uri="{FF2B5EF4-FFF2-40B4-BE49-F238E27FC236}">
-                <a16:creationId xmlns:a16="http://schemas.microsoft.com/office/drawing/2014/main" id="{124FCEE1-6CA7-74B4-7B56-715B6D1450BF}"/>
-              </a:ext>
-            </a:extLst>
-          </p:cNvPr>
-          <p:cNvSpPr/>
-          <p:nvPr/>
-        </p:nvSpPr>
-        <p:spPr>
-          <a:xfrm>
-            <a:off x="2121018" y="2325140"/>
-            <a:ext cx="637563" cy="620785"/>
-          </a:xfrm>
-          <a:prstGeom prst="rect">
-            <a:avLst/>
-          </a:prstGeom>
-        </p:spPr>
-        <p:style>
-          <a:lnRef idx="2">
-            <a:schemeClr val="accent1">
-              <a:shade val="50000"/>
-            </a:schemeClr>
-          </a:lnRef>
-          <a:fillRef idx="1">
-            <a:schemeClr val="accent1"/>
-          </a:fillRef>
-          <a:effectRef idx="0">
-            <a:schemeClr val="accent1"/>
-          </a:effectRef>
-          <a:fontRef idx="minor">
-            <a:schemeClr val="lt1"/>
-          </a:fontRef>
-        </p:style>
-        <p:txBody>
-          <a:bodyPr rtlCol="0" anchor="ctr"/>
-          <a:lstStyle/>
-          <a:p>
-            <a:pPr algn="ctr"/>
-            <a:endParaRPr lang="de-DE"/>
-          </a:p>
-        </p:txBody>
-      </p:sp>
-      <p:sp>
-        <p:nvSpPr>
-          <p:cNvPr id="52" name="Rechteck 51">
-            <a:extLst>
-              <a:ext uri="{FF2B5EF4-FFF2-40B4-BE49-F238E27FC236}">
-                <a16:creationId xmlns:a16="http://schemas.microsoft.com/office/drawing/2014/main" id="{816F5371-090D-EEE4-4851-50767506F236}"/>
-              </a:ext>
-            </a:extLst>
-          </p:cNvPr>
-          <p:cNvSpPr/>
-          <p:nvPr/>
-        </p:nvSpPr>
-        <p:spPr>
-          <a:xfrm>
-            <a:off x="2765572" y="2325138"/>
-            <a:ext cx="637563" cy="620785"/>
-          </a:xfrm>
-          <a:prstGeom prst="rect">
-            <a:avLst/>
-          </a:prstGeom>
-        </p:spPr>
-        <p:style>
-          <a:lnRef idx="2">
-            <a:schemeClr val="accent1">
-              <a:shade val="50000"/>
-            </a:schemeClr>
-          </a:lnRef>
-          <a:fillRef idx="1">
-            <a:schemeClr val="accent1"/>
-          </a:fillRef>
-          <a:effectRef idx="0">
-            <a:schemeClr val="accent1"/>
-          </a:effectRef>
-          <a:fontRef idx="minor">
-            <a:schemeClr val="lt1"/>
-          </a:fontRef>
-        </p:style>
-        <p:txBody>
-          <a:bodyPr rtlCol="0" anchor="ctr"/>
-          <a:lstStyle/>
-          <a:p>
-            <a:pPr algn="ctr"/>
-            <a:endParaRPr lang="de-DE"/>
-          </a:p>
-        </p:txBody>
-      </p:sp>
-      <p:sp>
-        <p:nvSpPr>
-          <p:cNvPr id="53" name="Rechteck 52">
-            <a:extLst>
-              <a:ext uri="{FF2B5EF4-FFF2-40B4-BE49-F238E27FC236}">
-                <a16:creationId xmlns:a16="http://schemas.microsoft.com/office/drawing/2014/main" id="{84E19A42-FB4B-BF98-5373-998A9051240C}"/>
-              </a:ext>
-            </a:extLst>
-          </p:cNvPr>
-          <p:cNvSpPr/>
-          <p:nvPr/>
-        </p:nvSpPr>
-        <p:spPr>
-          <a:xfrm>
-            <a:off x="3403135" y="2325137"/>
-            <a:ext cx="637563" cy="620785"/>
-          </a:xfrm>
-          <a:prstGeom prst="rect">
-            <a:avLst/>
-          </a:prstGeom>
-        </p:spPr>
-        <p:style>
-          <a:lnRef idx="2">
-            <a:schemeClr val="accent1">
-              <a:shade val="50000"/>
-            </a:schemeClr>
-          </a:lnRef>
-          <a:fillRef idx="1">
-            <a:schemeClr val="accent1"/>
-          </a:fillRef>
-          <a:effectRef idx="0">
-            <a:schemeClr val="accent1"/>
-          </a:effectRef>
-          <a:fontRef idx="minor">
-            <a:schemeClr val="lt1"/>
-          </a:fontRef>
-        </p:style>
-        <p:txBody>
-          <a:bodyPr rtlCol="0" anchor="ctr"/>
-          <a:lstStyle/>
-          <a:p>
-            <a:pPr algn="ctr"/>
-            <a:endParaRPr lang="de-DE"/>
-          </a:p>
-        </p:txBody>
-      </p:sp>
-      <p:sp>
-        <p:nvSpPr>
-          <p:cNvPr id="54" name="Rechteck 53">
-            <a:extLst>
-              <a:ext uri="{FF2B5EF4-FFF2-40B4-BE49-F238E27FC236}">
-                <a16:creationId xmlns:a16="http://schemas.microsoft.com/office/drawing/2014/main" id="{BD789F42-B5E1-0ADA-49A7-00D7B2873446}"/>
-              </a:ext>
-            </a:extLst>
-          </p:cNvPr>
-          <p:cNvSpPr/>
-          <p:nvPr/>
-        </p:nvSpPr>
-        <p:spPr>
-          <a:xfrm>
-            <a:off x="4040698" y="2325138"/>
-            <a:ext cx="637563" cy="620785"/>
-          </a:xfrm>
-          <a:prstGeom prst="rect">
-            <a:avLst/>
-          </a:prstGeom>
-        </p:spPr>
-        <p:style>
-          <a:lnRef idx="2">
-            <a:schemeClr val="accent1">
-              <a:shade val="50000"/>
-            </a:schemeClr>
-          </a:lnRef>
-          <a:fillRef idx="1">
-            <a:schemeClr val="accent1"/>
-          </a:fillRef>
-          <a:effectRef idx="0">
-            <a:schemeClr val="accent1"/>
-          </a:effectRef>
-          <a:fontRef idx="minor">
-            <a:schemeClr val="lt1"/>
-          </a:fontRef>
-        </p:style>
-        <p:txBody>
-          <a:bodyPr rtlCol="0" anchor="ctr"/>
-          <a:lstStyle/>
-          <a:p>
-            <a:pPr algn="ctr"/>
-            <a:endParaRPr lang="de-DE"/>
-          </a:p>
-        </p:txBody>
-      </p:sp>
-      <p:sp>
-        <p:nvSpPr>
-          <p:cNvPr id="55" name="Rechteck 54">
-            <a:extLst>
-              <a:ext uri="{FF2B5EF4-FFF2-40B4-BE49-F238E27FC236}">
-                <a16:creationId xmlns:a16="http://schemas.microsoft.com/office/drawing/2014/main" id="{4D08D5AA-286D-AB1B-4089-7A656C3D1E54}"/>
-              </a:ext>
-            </a:extLst>
-          </p:cNvPr>
-          <p:cNvSpPr/>
-          <p:nvPr/>
-        </p:nvSpPr>
-        <p:spPr>
-          <a:xfrm>
-            <a:off x="4678261" y="2325138"/>
-            <a:ext cx="637563" cy="620785"/>
-          </a:xfrm>
-          <a:prstGeom prst="rect">
-            <a:avLst/>
-          </a:prstGeom>
-        </p:spPr>
-        <p:style>
-          <a:lnRef idx="2">
-            <a:schemeClr val="accent1">
-              <a:shade val="50000"/>
-            </a:schemeClr>
-          </a:lnRef>
-          <a:fillRef idx="1">
-            <a:schemeClr val="accent1"/>
-          </a:fillRef>
-          <a:effectRef idx="0">
-            <a:schemeClr val="accent1"/>
-          </a:effectRef>
-          <a:fontRef idx="minor">
-            <a:schemeClr val="lt1"/>
-          </a:fontRef>
-        </p:style>
-        <p:txBody>
-          <a:bodyPr rtlCol="0" anchor="ctr"/>
-          <a:lstStyle/>
-          <a:p>
-            <a:pPr algn="ctr"/>
-            <a:endParaRPr lang="de-DE"/>
-          </a:p>
-        </p:txBody>
-      </p:sp>
-      <p:sp>
-        <p:nvSpPr>
-          <p:cNvPr id="56" name="Rechteck 55">
-            <a:extLst>
-              <a:ext uri="{FF2B5EF4-FFF2-40B4-BE49-F238E27FC236}">
-                <a16:creationId xmlns:a16="http://schemas.microsoft.com/office/drawing/2014/main" id="{63B5CB26-B726-0A35-5D33-71786372E1D0}"/>
-              </a:ext>
-            </a:extLst>
-          </p:cNvPr>
-          <p:cNvSpPr/>
-          <p:nvPr/>
-        </p:nvSpPr>
-        <p:spPr>
-          <a:xfrm>
-            <a:off x="5315824" y="2325138"/>
-            <a:ext cx="637563" cy="620785"/>
-          </a:xfrm>
-          <a:prstGeom prst="rect">
-            <a:avLst/>
-          </a:prstGeom>
-        </p:spPr>
-        <p:style>
-          <a:lnRef idx="2">
-            <a:schemeClr val="accent1">
-              <a:shade val="50000"/>
-            </a:schemeClr>
-          </a:lnRef>
-          <a:fillRef idx="1">
-            <a:schemeClr val="accent1"/>
-          </a:fillRef>
-          <a:effectRef idx="0">
-            <a:schemeClr val="accent1"/>
-          </a:effectRef>
-          <a:fontRef idx="minor">
-            <a:schemeClr val="lt1"/>
-          </a:fontRef>
-        </p:style>
-        <p:txBody>
-          <a:bodyPr rtlCol="0" anchor="ctr"/>
-          <a:lstStyle/>
-          <a:p>
-            <a:pPr algn="ctr"/>
-            <a:endParaRPr lang="de-DE"/>
-          </a:p>
-        </p:txBody>
-      </p:sp>
-      <p:sp>
-        <p:nvSpPr>
-          <p:cNvPr id="57" name="Rechteck 56">
-            <a:extLst>
-              <a:ext uri="{FF2B5EF4-FFF2-40B4-BE49-F238E27FC236}">
-                <a16:creationId xmlns:a16="http://schemas.microsoft.com/office/drawing/2014/main" id="{0FF173A1-3D75-F483-EE86-A52427F6A432}"/>
-              </a:ext>
-            </a:extLst>
-          </p:cNvPr>
-          <p:cNvSpPr/>
-          <p:nvPr/>
-        </p:nvSpPr>
-        <p:spPr>
-          <a:xfrm>
-            <a:off x="5953387" y="2325138"/>
-            <a:ext cx="637563" cy="620785"/>
-          </a:xfrm>
-          <a:prstGeom prst="rect">
-            <a:avLst/>
-          </a:prstGeom>
-        </p:spPr>
-        <p:style>
-          <a:lnRef idx="2">
-            <a:schemeClr val="accent1">
-              <a:shade val="50000"/>
-            </a:schemeClr>
-          </a:lnRef>
-          <a:fillRef idx="1">
-            <a:schemeClr val="accent1"/>
-          </a:fillRef>
-          <a:effectRef idx="0">
-            <a:schemeClr val="accent1"/>
-          </a:effectRef>
-          <a:fontRef idx="minor">
-            <a:schemeClr val="lt1"/>
-          </a:fontRef>
-        </p:style>
-        <p:txBody>
-          <a:bodyPr rtlCol="0" anchor="ctr"/>
-          <a:lstStyle/>
-          <a:p>
-            <a:pPr algn="ctr"/>
-            <a:endParaRPr lang="de-DE"/>
-          </a:p>
-        </p:txBody>
-      </p:sp>
-      <p:sp>
-        <p:nvSpPr>
-          <p:cNvPr id="58" name="Rechteck 57">
-            <a:extLst>
-              <a:ext uri="{FF2B5EF4-FFF2-40B4-BE49-F238E27FC236}">
-                <a16:creationId xmlns:a16="http://schemas.microsoft.com/office/drawing/2014/main" id="{15FC3680-C3FD-0C37-7A64-DCE207BD9E42}"/>
-              </a:ext>
-            </a:extLst>
-          </p:cNvPr>
-          <p:cNvSpPr/>
-          <p:nvPr/>
-        </p:nvSpPr>
-        <p:spPr>
-          <a:xfrm>
-            <a:off x="6590950" y="2325138"/>
-            <a:ext cx="637563" cy="620785"/>
-          </a:xfrm>
-          <a:prstGeom prst="rect">
-            <a:avLst/>
-          </a:prstGeom>
-        </p:spPr>
-        <p:style>
-          <a:lnRef idx="2">
-            <a:schemeClr val="accent1">
-              <a:shade val="50000"/>
-            </a:schemeClr>
-          </a:lnRef>
-          <a:fillRef idx="1">
-            <a:schemeClr val="accent1"/>
-          </a:fillRef>
-          <a:effectRef idx="0">
-            <a:schemeClr val="accent1"/>
-          </a:effectRef>
-          <a:fontRef idx="minor">
-            <a:schemeClr val="lt1"/>
-          </a:fontRef>
-        </p:style>
-        <p:txBody>
-          <a:bodyPr rtlCol="0" anchor="ctr"/>
-          <a:lstStyle/>
-          <a:p>
-            <a:pPr algn="ctr"/>
-            <a:endParaRPr lang="de-DE"/>
-          </a:p>
-        </p:txBody>
-      </p:sp>
-      <p:sp>
-        <p:nvSpPr>
-          <p:cNvPr id="59" name="Rechteck 58">
-            <a:extLst>
-              <a:ext uri="{FF2B5EF4-FFF2-40B4-BE49-F238E27FC236}">
-                <a16:creationId xmlns:a16="http://schemas.microsoft.com/office/drawing/2014/main" id="{C6FB78BD-7D38-0234-DFC6-DB856E998914}"/>
-              </a:ext>
-            </a:extLst>
-          </p:cNvPr>
-          <p:cNvSpPr/>
-          <p:nvPr/>
-        </p:nvSpPr>
-        <p:spPr>
-          <a:xfrm>
-            <a:off x="1490446" y="2325138"/>
-            <a:ext cx="637563" cy="620785"/>
-          </a:xfrm>
-          <a:prstGeom prst="rect">
-            <a:avLst/>
-          </a:prstGeom>
-        </p:spPr>
-        <p:style>
-          <a:lnRef idx="2">
-            <a:schemeClr val="accent1">
-              <a:shade val="50000"/>
-            </a:schemeClr>
-          </a:lnRef>
-          <a:fillRef idx="1">
-            <a:schemeClr val="accent1"/>
-          </a:fillRef>
-          <a:effectRef idx="0">
-            <a:schemeClr val="accent1"/>
-          </a:effectRef>
-          <a:fontRef idx="minor">
-            <a:schemeClr val="lt1"/>
-          </a:fontRef>
-        </p:style>
-        <p:txBody>
-          <a:bodyPr rtlCol="0" anchor="ctr"/>
-          <a:lstStyle/>
-          <a:p>
-            <a:pPr algn="ctr"/>
-            <a:endParaRPr lang="de-DE" dirty="0"/>
-          </a:p>
-        </p:txBody>
-      </p:sp>
-      <p:sp>
-        <p:nvSpPr>
-          <p:cNvPr id="60" name="Rechteck 59">
-            <a:extLst>
-              <a:ext uri="{FF2B5EF4-FFF2-40B4-BE49-F238E27FC236}">
-                <a16:creationId xmlns:a16="http://schemas.microsoft.com/office/drawing/2014/main" id="{8A5F4024-ABCB-4C36-DB0F-B273FB7E2E2D}"/>
-              </a:ext>
-            </a:extLst>
-          </p:cNvPr>
-          <p:cNvSpPr/>
-          <p:nvPr/>
-        </p:nvSpPr>
-        <p:spPr>
-          <a:xfrm>
-            <a:off x="2128009" y="2325137"/>
-            <a:ext cx="637563" cy="620785"/>
-          </a:xfrm>
-          <a:prstGeom prst="rect">
-            <a:avLst/>
-          </a:prstGeom>
-        </p:spPr>
-        <p:style>
-          <a:lnRef idx="2">
-            <a:schemeClr val="accent1">
-              <a:shade val="50000"/>
-            </a:schemeClr>
-          </a:lnRef>
-          <a:fillRef idx="1">
-            <a:schemeClr val="accent1"/>
-          </a:fillRef>
-          <a:effectRef idx="0">
-            <a:schemeClr val="accent1"/>
-          </a:effectRef>
-          <a:fontRef idx="minor">
-            <a:schemeClr val="lt1"/>
-          </a:fontRef>
-        </p:style>
-        <p:txBody>
-          <a:bodyPr rtlCol="0" anchor="ctr"/>
-          <a:lstStyle/>
-          <a:p>
-            <a:pPr algn="ctr"/>
-            <a:endParaRPr lang="de-DE"/>
-          </a:p>
-        </p:txBody>
-      </p:sp>
-      <p:sp>
-        <p:nvSpPr>
-          <p:cNvPr id="61" name="Rechteck 60">
-            <a:extLst>
-              <a:ext uri="{FF2B5EF4-FFF2-40B4-BE49-F238E27FC236}">
-                <a16:creationId xmlns:a16="http://schemas.microsoft.com/office/drawing/2014/main" id="{F74CCA24-0366-919E-9E19-0F14D53DB69E}"/>
-              </a:ext>
-            </a:extLst>
-          </p:cNvPr>
-          <p:cNvSpPr/>
-          <p:nvPr/>
-        </p:nvSpPr>
-        <p:spPr>
-          <a:xfrm>
-            <a:off x="7859085" y="2325137"/>
-            <a:ext cx="637563" cy="620785"/>
-          </a:xfrm>
-          <a:prstGeom prst="rect">
-            <a:avLst/>
-          </a:prstGeom>
-        </p:spPr>
-        <p:style>
-          <a:lnRef idx="2">
-            <a:schemeClr val="accent1">
-              <a:shade val="50000"/>
-            </a:schemeClr>
-          </a:lnRef>
-          <a:fillRef idx="1">
-            <a:schemeClr val="accent1"/>
-          </a:fillRef>
-          <a:effectRef idx="0">
-            <a:schemeClr val="accent1"/>
-          </a:effectRef>
-          <a:fontRef idx="minor">
-            <a:schemeClr val="lt1"/>
-          </a:fontRef>
-        </p:style>
-        <p:txBody>
-          <a:bodyPr rtlCol="0" anchor="ctr"/>
-          <a:lstStyle/>
-          <a:p>
-            <a:pPr algn="ctr"/>
-            <a:endParaRPr lang="de-DE"/>
-          </a:p>
-        </p:txBody>
-      </p:sp>
-      <p:sp>
-        <p:nvSpPr>
-          <p:cNvPr id="62" name="Rechteck 61">
-            <a:extLst>
-              <a:ext uri="{FF2B5EF4-FFF2-40B4-BE49-F238E27FC236}">
-                <a16:creationId xmlns:a16="http://schemas.microsoft.com/office/drawing/2014/main" id="{50E4C56E-9B55-F724-E589-3B51FF3559D8}"/>
-              </a:ext>
-            </a:extLst>
-          </p:cNvPr>
-          <p:cNvSpPr/>
-          <p:nvPr/>
-        </p:nvSpPr>
-        <p:spPr>
-          <a:xfrm>
-            <a:off x="8496648" y="2325137"/>
-            <a:ext cx="637563" cy="620785"/>
-          </a:xfrm>
-          <a:prstGeom prst="rect">
-            <a:avLst/>
-          </a:prstGeom>
-        </p:spPr>
-        <p:style>
-          <a:lnRef idx="2">
-            <a:schemeClr val="accent1">
-              <a:shade val="50000"/>
-            </a:schemeClr>
-          </a:lnRef>
-          <a:fillRef idx="1">
-            <a:schemeClr val="accent1"/>
-          </a:fillRef>
-          <a:effectRef idx="0">
-            <a:schemeClr val="accent1"/>
-          </a:effectRef>
-          <a:fontRef idx="minor">
-            <a:schemeClr val="lt1"/>
-          </a:fontRef>
-        </p:style>
-        <p:txBody>
-          <a:bodyPr rtlCol="0" anchor="ctr"/>
-          <a:lstStyle/>
-          <a:p>
-            <a:pPr algn="ctr"/>
-            <a:endParaRPr lang="de-DE"/>
-          </a:p>
-        </p:txBody>
-      </p:sp>
-      <p:sp>
-        <p:nvSpPr>
-          <p:cNvPr id="63" name="Rechteck 62">
-            <a:extLst>
-              <a:ext uri="{FF2B5EF4-FFF2-40B4-BE49-F238E27FC236}">
-                <a16:creationId xmlns:a16="http://schemas.microsoft.com/office/drawing/2014/main" id="{19F96039-D2B3-F300-ED61-DC3864156CE4}"/>
-              </a:ext>
-            </a:extLst>
-          </p:cNvPr>
-          <p:cNvSpPr/>
-          <p:nvPr/>
-        </p:nvSpPr>
-        <p:spPr>
-          <a:xfrm>
-            <a:off x="9134211" y="2325137"/>
-            <a:ext cx="637563" cy="620785"/>
-          </a:xfrm>
-          <a:prstGeom prst="rect">
-            <a:avLst/>
-          </a:prstGeom>
-        </p:spPr>
-        <p:style>
-          <a:lnRef idx="2">
-            <a:schemeClr val="accent1">
-              <a:shade val="50000"/>
-            </a:schemeClr>
-          </a:lnRef>
-          <a:fillRef idx="1">
-            <a:schemeClr val="accent1"/>
-          </a:fillRef>
-          <a:effectRef idx="0">
-            <a:schemeClr val="accent1"/>
-          </a:effectRef>
-          <a:fontRef idx="minor">
-            <a:schemeClr val="lt1"/>
-          </a:fontRef>
-        </p:style>
-        <p:txBody>
-          <a:bodyPr rtlCol="0" anchor="ctr"/>
-          <a:lstStyle/>
-          <a:p>
-            <a:pPr algn="ctr"/>
-            <a:endParaRPr lang="de-DE"/>
-          </a:p>
-        </p:txBody>
-      </p:sp>
-      <p:sp>
-        <p:nvSpPr>
-          <p:cNvPr id="64" name="Rechteck 63">
-            <a:extLst>
-              <a:ext uri="{FF2B5EF4-FFF2-40B4-BE49-F238E27FC236}">
-                <a16:creationId xmlns:a16="http://schemas.microsoft.com/office/drawing/2014/main" id="{2E29AC09-8489-DE39-85D7-B7CEA90F871B}"/>
-              </a:ext>
-            </a:extLst>
-          </p:cNvPr>
-          <p:cNvSpPr/>
-          <p:nvPr/>
-        </p:nvSpPr>
-        <p:spPr>
-          <a:xfrm>
-            <a:off x="9771774" y="2325137"/>
-            <a:ext cx="637563" cy="620785"/>
-          </a:xfrm>
-          <a:prstGeom prst="rect">
-            <a:avLst/>
-          </a:prstGeom>
-        </p:spPr>
-        <p:style>
-          <a:lnRef idx="2">
-            <a:schemeClr val="accent1">
-              <a:shade val="50000"/>
-            </a:schemeClr>
-          </a:lnRef>
-          <a:fillRef idx="1">
-            <a:schemeClr val="accent1"/>
-          </a:fillRef>
-          <a:effectRef idx="0">
-            <a:schemeClr val="accent1"/>
-          </a:effectRef>
-          <a:fontRef idx="minor">
-            <a:schemeClr val="lt1"/>
-          </a:fontRef>
-        </p:style>
-        <p:txBody>
-          <a:bodyPr rtlCol="0" anchor="ctr"/>
-          <a:lstStyle/>
-          <a:p>
-            <a:pPr algn="ctr"/>
-            <a:endParaRPr lang="de-DE"/>
-          </a:p>
-        </p:txBody>
-      </p:sp>
-      <p:sp>
-        <p:nvSpPr>
-          <p:cNvPr id="65" name="Rechteck 64">
-            <a:extLst>
-              <a:ext uri="{FF2B5EF4-FFF2-40B4-BE49-F238E27FC236}">
-                <a16:creationId xmlns:a16="http://schemas.microsoft.com/office/drawing/2014/main" id="{9FA9D2B3-0337-60F8-3250-D7094D4A99D1}"/>
-              </a:ext>
-            </a:extLst>
-          </p:cNvPr>
-          <p:cNvSpPr/>
-          <p:nvPr/>
-        </p:nvSpPr>
-        <p:spPr>
-          <a:xfrm>
-            <a:off x="7221522" y="2325136"/>
-            <a:ext cx="637563" cy="620785"/>
-          </a:xfrm>
-          <a:prstGeom prst="rect">
-            <a:avLst/>
-          </a:prstGeom>
-        </p:spPr>
-        <p:style>
-          <a:lnRef idx="2">
-            <a:schemeClr val="accent1">
-              <a:shade val="50000"/>
-            </a:schemeClr>
-          </a:lnRef>
-          <a:fillRef idx="1">
-            <a:schemeClr val="accent1"/>
-          </a:fillRef>
-          <a:effectRef idx="0">
-            <a:schemeClr val="accent1"/>
-          </a:effectRef>
-          <a:fontRef idx="minor">
-            <a:schemeClr val="lt1"/>
-          </a:fontRef>
-        </p:style>
-        <p:txBody>
-          <a:bodyPr rtlCol="0" anchor="ctr"/>
-          <a:lstStyle/>
-          <a:p>
-            <a:pPr algn="ctr"/>
-            <a:endParaRPr lang="de-DE"/>
-          </a:p>
-        </p:txBody>
-      </p:sp>
-      <p:sp>
-        <p:nvSpPr>
-          <p:cNvPr id="66" name="Rechteck 65">
-            <a:extLst>
-              <a:ext uri="{FF2B5EF4-FFF2-40B4-BE49-F238E27FC236}">
-                <a16:creationId xmlns:a16="http://schemas.microsoft.com/office/drawing/2014/main" id="{56B4722E-79D9-1EBB-E875-8A35D0BD9E97}"/>
-              </a:ext>
-            </a:extLst>
-          </p:cNvPr>
-          <p:cNvSpPr/>
-          <p:nvPr/>
-        </p:nvSpPr>
-        <p:spPr>
-          <a:xfrm>
-            <a:off x="2765572" y="2325134"/>
-            <a:ext cx="637563" cy="620785"/>
-          </a:xfrm>
-          <a:prstGeom prst="rect">
-            <a:avLst/>
-          </a:prstGeom>
-        </p:spPr>
-        <p:style>
-          <a:lnRef idx="2">
-            <a:schemeClr val="accent1">
-              <a:shade val="50000"/>
-            </a:schemeClr>
-          </a:lnRef>
-          <a:fillRef idx="1">
-            <a:schemeClr val="accent1"/>
-          </a:fillRef>
-          <a:effectRef idx="0">
-            <a:schemeClr val="accent1"/>
-          </a:effectRef>
-          <a:fontRef idx="minor">
-            <a:schemeClr val="lt1"/>
-          </a:fontRef>
-        </p:style>
-        <p:txBody>
-          <a:bodyPr rtlCol="0" anchor="ctr"/>
-          <a:lstStyle/>
-          <a:p>
-            <a:pPr algn="ctr"/>
-            <a:endParaRPr lang="de-DE"/>
-          </a:p>
-        </p:txBody>
-      </p:sp>
-      <p:sp>
-        <p:nvSpPr>
-          <p:cNvPr id="67" name="Rechteck 66">
-            <a:extLst>
-              <a:ext uri="{FF2B5EF4-FFF2-40B4-BE49-F238E27FC236}">
-                <a16:creationId xmlns:a16="http://schemas.microsoft.com/office/drawing/2014/main" id="{62C36570-CC22-27EE-E8B1-4D9173057BF8}"/>
-              </a:ext>
-            </a:extLst>
-          </p:cNvPr>
-          <p:cNvSpPr/>
-          <p:nvPr/>
-        </p:nvSpPr>
-        <p:spPr>
-          <a:xfrm>
-            <a:off x="3403135" y="2325133"/>
-            <a:ext cx="637563" cy="620785"/>
-          </a:xfrm>
-          <a:prstGeom prst="rect">
-            <a:avLst/>
-          </a:prstGeom>
-        </p:spPr>
-        <p:style>
-          <a:lnRef idx="2">
-            <a:schemeClr val="accent1">
-              <a:shade val="50000"/>
-            </a:schemeClr>
-          </a:lnRef>
-          <a:fillRef idx="1">
-            <a:schemeClr val="accent1"/>
-          </a:fillRef>
-          <a:effectRef idx="0">
-            <a:schemeClr val="accent1"/>
-          </a:effectRef>
-          <a:fontRef idx="minor">
-            <a:schemeClr val="lt1"/>
-          </a:fontRef>
-        </p:style>
-        <p:txBody>
-          <a:bodyPr rtlCol="0" anchor="ctr"/>
-          <a:lstStyle/>
-          <a:p>
-            <a:pPr algn="ctr"/>
-            <a:endParaRPr lang="de-DE"/>
-          </a:p>
-        </p:txBody>
-      </p:sp>
-      <p:sp>
-        <p:nvSpPr>
-          <p:cNvPr id="68" name="Rechteck 67">
-            <a:extLst>
-              <a:ext uri="{FF2B5EF4-FFF2-40B4-BE49-F238E27FC236}">
-                <a16:creationId xmlns:a16="http://schemas.microsoft.com/office/drawing/2014/main" id="{B018853E-81D7-1E4C-D126-E0480577260F}"/>
-              </a:ext>
-            </a:extLst>
-          </p:cNvPr>
-          <p:cNvSpPr/>
-          <p:nvPr/>
-        </p:nvSpPr>
-        <p:spPr>
-          <a:xfrm>
-            <a:off x="4040698" y="2325134"/>
-            <a:ext cx="637563" cy="620785"/>
-          </a:xfrm>
-          <a:prstGeom prst="rect">
-            <a:avLst/>
-          </a:prstGeom>
-        </p:spPr>
-        <p:style>
-          <a:lnRef idx="2">
-            <a:schemeClr val="accent1">
-              <a:shade val="50000"/>
-            </a:schemeClr>
-          </a:lnRef>
-          <a:fillRef idx="1">
-            <a:schemeClr val="accent1"/>
-          </a:fillRef>
-          <a:effectRef idx="0">
-            <a:schemeClr val="accent1"/>
-          </a:effectRef>
-          <a:fontRef idx="minor">
-            <a:schemeClr val="lt1"/>
-          </a:fontRef>
-        </p:style>
-        <p:txBody>
-          <a:bodyPr rtlCol="0" anchor="ctr"/>
-          <a:lstStyle/>
-          <a:p>
-            <a:pPr algn="ctr"/>
-            <a:endParaRPr lang="de-DE"/>
-          </a:p>
-        </p:txBody>
-      </p:sp>
-      <p:sp>
-        <p:nvSpPr>
-          <p:cNvPr id="69" name="Rechteck 68">
-            <a:extLst>
-              <a:ext uri="{FF2B5EF4-FFF2-40B4-BE49-F238E27FC236}">
-                <a16:creationId xmlns:a16="http://schemas.microsoft.com/office/drawing/2014/main" id="{ADFA37E2-0DF4-870B-EC06-E8AB3A50D9F4}"/>
-              </a:ext>
-            </a:extLst>
-          </p:cNvPr>
-          <p:cNvSpPr/>
-          <p:nvPr/>
-        </p:nvSpPr>
-        <p:spPr>
-          <a:xfrm>
-            <a:off x="4678261" y="2325134"/>
-            <a:ext cx="637563" cy="620785"/>
-          </a:xfrm>
-          <a:prstGeom prst="rect">
-            <a:avLst/>
-          </a:prstGeom>
-        </p:spPr>
-        <p:style>
-          <a:lnRef idx="2">
-            <a:schemeClr val="accent1">
-              <a:shade val="50000"/>
-            </a:schemeClr>
-          </a:lnRef>
-          <a:fillRef idx="1">
-            <a:schemeClr val="accent1"/>
-          </a:fillRef>
-          <a:effectRef idx="0">
-            <a:schemeClr val="accent1"/>
-          </a:effectRef>
-          <a:fontRef idx="minor">
-            <a:schemeClr val="lt1"/>
-          </a:fontRef>
-        </p:style>
-        <p:txBody>
-          <a:bodyPr rtlCol="0" anchor="ctr"/>
-          <a:lstStyle/>
-          <a:p>
-            <a:pPr algn="ctr"/>
-            <a:endParaRPr lang="de-DE"/>
-          </a:p>
-        </p:txBody>
-      </p:sp>
-      <p:sp>
-        <p:nvSpPr>
-          <p:cNvPr id="70" name="Rechteck 69">
-            <a:extLst>
-              <a:ext uri="{FF2B5EF4-FFF2-40B4-BE49-F238E27FC236}">
-                <a16:creationId xmlns:a16="http://schemas.microsoft.com/office/drawing/2014/main" id="{F78DD58B-F00F-EFC4-B541-785AEC2973CE}"/>
-              </a:ext>
-            </a:extLst>
-          </p:cNvPr>
-          <p:cNvSpPr/>
-          <p:nvPr/>
-        </p:nvSpPr>
-        <p:spPr>
-          <a:xfrm>
-            <a:off x="5315824" y="2325134"/>
-            <a:ext cx="637563" cy="620785"/>
-          </a:xfrm>
-          <a:prstGeom prst="rect">
-            <a:avLst/>
-          </a:prstGeom>
-        </p:spPr>
-        <p:style>
-          <a:lnRef idx="2">
-            <a:schemeClr val="accent1">
-              <a:shade val="50000"/>
-            </a:schemeClr>
-          </a:lnRef>
-          <a:fillRef idx="1">
-            <a:schemeClr val="accent1"/>
-          </a:fillRef>
-          <a:effectRef idx="0">
-            <a:schemeClr val="accent1"/>
-          </a:effectRef>
-          <a:fontRef idx="minor">
-            <a:schemeClr val="lt1"/>
-          </a:fontRef>
-        </p:style>
-        <p:txBody>
-          <a:bodyPr rtlCol="0" anchor="ctr"/>
-          <a:lstStyle/>
-          <a:p>
-            <a:pPr algn="ctr"/>
-            <a:endParaRPr lang="de-DE"/>
-          </a:p>
-        </p:txBody>
-      </p:sp>
-      <p:sp>
-        <p:nvSpPr>
-          <p:cNvPr id="71" name="Rechteck 70">
-            <a:extLst>
-              <a:ext uri="{FF2B5EF4-FFF2-40B4-BE49-F238E27FC236}">
-                <a16:creationId xmlns:a16="http://schemas.microsoft.com/office/drawing/2014/main" id="{4C2395C5-A833-9163-9131-9C5FB1A99ECD}"/>
-              </a:ext>
-            </a:extLst>
-          </p:cNvPr>
-          <p:cNvSpPr/>
-          <p:nvPr/>
-        </p:nvSpPr>
-        <p:spPr>
-          <a:xfrm>
-            <a:off x="5953387" y="2325134"/>
-            <a:ext cx="637563" cy="620785"/>
-          </a:xfrm>
-          <a:prstGeom prst="rect">
-            <a:avLst/>
-          </a:prstGeom>
-        </p:spPr>
-        <p:style>
-          <a:lnRef idx="2">
-            <a:schemeClr val="accent1">
-              <a:shade val="50000"/>
-            </a:schemeClr>
-          </a:lnRef>
-          <a:fillRef idx="1">
-            <a:schemeClr val="accent1"/>
-          </a:fillRef>
-          <a:effectRef idx="0">
-            <a:schemeClr val="accent1"/>
-          </a:effectRef>
-          <a:fontRef idx="minor">
-            <a:schemeClr val="lt1"/>
-          </a:fontRef>
-        </p:style>
-        <p:txBody>
-          <a:bodyPr rtlCol="0" anchor="ctr"/>
-          <a:lstStyle/>
-          <a:p>
-            <a:pPr algn="ctr"/>
-            <a:endParaRPr lang="de-DE"/>
-          </a:p>
-        </p:txBody>
-      </p:sp>
-      <p:sp>
-        <p:nvSpPr>
-          <p:cNvPr id="72" name="Rechteck 71">
-            <a:extLst>
-              <a:ext uri="{FF2B5EF4-FFF2-40B4-BE49-F238E27FC236}">
-                <a16:creationId xmlns:a16="http://schemas.microsoft.com/office/drawing/2014/main" id="{261774C5-588C-917E-9D1D-04566C87A974}"/>
-              </a:ext>
-            </a:extLst>
-          </p:cNvPr>
-          <p:cNvSpPr/>
-          <p:nvPr/>
-        </p:nvSpPr>
-        <p:spPr>
-          <a:xfrm>
-            <a:off x="6590950" y="2325134"/>
-            <a:ext cx="637563" cy="620785"/>
-          </a:xfrm>
-          <a:prstGeom prst="rect">
-            <a:avLst/>
-          </a:prstGeom>
-        </p:spPr>
-        <p:style>
-          <a:lnRef idx="2">
-            <a:schemeClr val="accent1">
-              <a:shade val="50000"/>
-            </a:schemeClr>
-          </a:lnRef>
-          <a:fillRef idx="1">
-            <a:schemeClr val="accent1"/>
-          </a:fillRef>
-          <a:effectRef idx="0">
-            <a:schemeClr val="accent1"/>
-          </a:effectRef>
-          <a:fontRef idx="minor">
-            <a:schemeClr val="lt1"/>
-          </a:fontRef>
-        </p:style>
-        <p:txBody>
-          <a:bodyPr rtlCol="0" anchor="ctr"/>
-          <a:lstStyle/>
-          <a:p>
-            <a:pPr algn="ctr"/>
-            <a:endParaRPr lang="de-DE"/>
-          </a:p>
-        </p:txBody>
-      </p:sp>
-      <p:sp>
-        <p:nvSpPr>
-          <p:cNvPr id="73" name="Rechteck 72">
-            <a:extLst>
-              <a:ext uri="{FF2B5EF4-FFF2-40B4-BE49-F238E27FC236}">
-                <a16:creationId xmlns:a16="http://schemas.microsoft.com/office/drawing/2014/main" id="{8B020FAE-C6F8-FD80-ADA3-D73AA1FB3006}"/>
-              </a:ext>
-            </a:extLst>
-          </p:cNvPr>
-          <p:cNvSpPr/>
-          <p:nvPr/>
-        </p:nvSpPr>
-        <p:spPr>
-          <a:xfrm>
-            <a:off x="1490446" y="2325134"/>
-            <a:ext cx="637563" cy="620785"/>
-          </a:xfrm>
-          <a:prstGeom prst="rect">
-            <a:avLst/>
-          </a:prstGeom>
-        </p:spPr>
-        <p:style>
-          <a:lnRef idx="2">
-            <a:schemeClr val="accent1">
-              <a:shade val="50000"/>
-            </a:schemeClr>
-          </a:lnRef>
-          <a:fillRef idx="1">
-            <a:schemeClr val="accent1"/>
-          </a:fillRef>
-          <a:effectRef idx="0">
-            <a:schemeClr val="accent1"/>
-          </a:effectRef>
-          <a:fontRef idx="minor">
-            <a:schemeClr val="lt1"/>
-          </a:fontRef>
-        </p:style>
-        <p:txBody>
-          <a:bodyPr rtlCol="0" anchor="ctr"/>
-          <a:lstStyle/>
-          <a:p>
-            <a:pPr algn="ctr"/>
-            <a:endParaRPr lang="de-DE" dirty="0"/>
-          </a:p>
-        </p:txBody>
-      </p:sp>
-      <p:sp>
-        <p:nvSpPr>
-          <p:cNvPr id="74" name="Rechteck 73">
-            <a:extLst>
-              <a:ext uri="{FF2B5EF4-FFF2-40B4-BE49-F238E27FC236}">
-                <a16:creationId xmlns:a16="http://schemas.microsoft.com/office/drawing/2014/main" id="{D6324A00-2085-4983-B2A1-6988259C1FDB}"/>
-              </a:ext>
-            </a:extLst>
-          </p:cNvPr>
-          <p:cNvSpPr/>
-          <p:nvPr/>
-        </p:nvSpPr>
-        <p:spPr>
-          <a:xfrm>
-            <a:off x="2128009" y="2325133"/>
-            <a:ext cx="637563" cy="620785"/>
-          </a:xfrm>
-          <a:prstGeom prst="rect">
-            <a:avLst/>
-          </a:prstGeom>
-        </p:spPr>
-        <p:style>
-          <a:lnRef idx="2">
-            <a:schemeClr val="accent1">
-              <a:shade val="50000"/>
-            </a:schemeClr>
-          </a:lnRef>
-          <a:fillRef idx="1">
-            <a:schemeClr val="accent1"/>
-          </a:fillRef>
-          <a:effectRef idx="0">
-            <a:schemeClr val="accent1"/>
-          </a:effectRef>
-          <a:fontRef idx="minor">
-            <a:schemeClr val="lt1"/>
-          </a:fontRef>
-        </p:style>
-        <p:txBody>
-          <a:bodyPr rtlCol="0" anchor="ctr"/>
-          <a:lstStyle/>
-          <a:p>
-            <a:pPr algn="ctr"/>
-            <a:endParaRPr lang="de-DE"/>
-          </a:p>
-        </p:txBody>
-      </p:sp>
-      <p:sp>
-        <p:nvSpPr>
-          <p:cNvPr id="77" name="Rechteck 76">
-            <a:extLst>
-              <a:ext uri="{FF2B5EF4-FFF2-40B4-BE49-F238E27FC236}">
-                <a16:creationId xmlns:a16="http://schemas.microsoft.com/office/drawing/2014/main" id="{17DD08AA-1CDA-EB92-F23B-78F22C1AD42F}"/>
-              </a:ext>
-            </a:extLst>
-          </p:cNvPr>
-          <p:cNvSpPr/>
-          <p:nvPr/>
-        </p:nvSpPr>
-        <p:spPr>
-          <a:xfrm>
-            <a:off x="343251" y="3632432"/>
-            <a:ext cx="1777767" cy="620785"/>
-          </a:xfrm>
-          <a:prstGeom prst="rect">
-            <a:avLst/>
-          </a:prstGeom>
-          <a:noFill/>
-          <a:ln w="38100"/>
-        </p:spPr>
-        <p:style>
-          <a:lnRef idx="2">
-            <a:schemeClr val="dk1">
-              <a:shade val="50000"/>
-            </a:schemeClr>
-          </a:lnRef>
-          <a:fillRef idx="1">
-            <a:schemeClr val="dk1"/>
-          </a:fillRef>
-          <a:effectRef idx="0">
-            <a:schemeClr val="dk1"/>
-          </a:effectRef>
-          <a:fontRef idx="minor">
-            <a:schemeClr val="lt1"/>
-          </a:fontRef>
-        </p:style>
-        <p:txBody>
-          <a:bodyPr rtlCol="0" anchor="ctr"/>
-          <a:lstStyle/>
-          <a:p>
-            <a:pPr algn="ctr"/>
-            <a:endParaRPr lang="de-DE"/>
-          </a:p>
-        </p:txBody>
-      </p:sp>
-    </p:spTree>
-    <p:extLst>
-      <p:ext uri="{BB962C8B-B14F-4D97-AF65-F5344CB8AC3E}">
-        <p14:creationId xmlns:p14="http://schemas.microsoft.com/office/powerpoint/2010/main" val="1954834884"/>
-      </p:ext>
-    </p:extLst>
-  </p:cSld>
-  <p:clrMapOvr>
-    <a:masterClrMapping/>
-  </p:clrMapOvr>
-</p:sld>
-</file>
-
 <file path=ppt/slides/slide2.xml><?xml version="1.0" encoding="utf-8"?>
 <p:sld xmlns:a="http://schemas.openxmlformats.org/drawingml/2006/main" xmlns:r="http://schemas.openxmlformats.org/officeDocument/2006/relationships" xmlns:p="http://schemas.openxmlformats.org/presentationml/2006/main">
   <p:cSld>
@@ -7443,45 +4844,6 @@
       </p:sp>
       <p:sp>
         <p:nvSpPr>
-          <p:cNvPr id="14" name="Textfeld 13">
-            <a:extLst>
-              <a:ext uri="{FF2B5EF4-FFF2-40B4-BE49-F238E27FC236}">
-                <a16:creationId xmlns:a16="http://schemas.microsoft.com/office/drawing/2014/main" id="{72537686-A9B8-B2D4-6CB7-AAFA0946FD69}"/>
-              </a:ext>
-            </a:extLst>
-          </p:cNvPr>
-          <p:cNvSpPr txBox="1"/>
-          <p:nvPr/>
-        </p:nvSpPr>
-        <p:spPr>
-          <a:xfrm>
-            <a:off x="343251" y="3707934"/>
-            <a:ext cx="2280407" cy="369332"/>
-          </a:xfrm>
-          <a:prstGeom prst="rect">
-            <a:avLst/>
-          </a:prstGeom>
-          <a:noFill/>
-        </p:spPr>
-        <p:txBody>
-          <a:bodyPr wrap="square" rtlCol="0">
-            <a:spAutoFit/>
-          </a:bodyPr>
-          <a:lstStyle/>
-          <a:p>
-            <a:r>
-              <a:rPr lang="de-DE" dirty="0" err="1"/>
-              <a:t>remove</a:t>
-            </a:r>
-            <a:r>
-              <a:rPr lang="de-DE" dirty="0"/>
-              <a:t>(5);</a:t>
-            </a:r>
-          </a:p>
-        </p:txBody>
-      </p:sp>
-      <p:sp>
-        <p:nvSpPr>
           <p:cNvPr id="3" name="Ellipse 2">
             <a:extLst>
               <a:ext uri="{FF2B5EF4-FFF2-40B4-BE49-F238E27FC236}">
@@ -7518,54 +4880,6 @@
           </a:fillRef>
           <a:effectRef idx="0">
             <a:schemeClr val="accent1"/>
-          </a:effectRef>
-          <a:fontRef idx="minor">
-            <a:schemeClr val="lt1"/>
-          </a:fontRef>
-        </p:style>
-        <p:txBody>
-          <a:bodyPr rtlCol="0" anchor="ctr"/>
-          <a:lstStyle/>
-          <a:p>
-            <a:pPr algn="ctr"/>
-            <a:endParaRPr lang="de-DE"/>
-          </a:p>
-        </p:txBody>
-      </p:sp>
-      <p:sp>
-        <p:nvSpPr>
-          <p:cNvPr id="17" name="Rechteck 16">
-            <a:extLst>
-              <a:ext uri="{FF2B5EF4-FFF2-40B4-BE49-F238E27FC236}">
-                <a16:creationId xmlns:a16="http://schemas.microsoft.com/office/drawing/2014/main" id="{151BA090-253D-1428-2279-C14688CFA44E}"/>
-              </a:ext>
-            </a:extLst>
-          </p:cNvPr>
-          <p:cNvSpPr/>
-          <p:nvPr/>
-        </p:nvSpPr>
-        <p:spPr>
-          <a:xfrm>
-            <a:off x="343251" y="3632432"/>
-            <a:ext cx="1777767" cy="620785"/>
-          </a:xfrm>
-          <a:prstGeom prst="rect">
-            <a:avLst/>
-          </a:prstGeom>
-          <a:noFill/>
-          <a:ln w="38100"/>
-        </p:spPr>
-        <p:style>
-          <a:lnRef idx="2">
-            <a:schemeClr val="dk1">
-              <a:shade val="50000"/>
-            </a:schemeClr>
-          </a:lnRef>
-          <a:fillRef idx="1">
-            <a:schemeClr val="dk1"/>
-          </a:fillRef>
-          <a:effectRef idx="0">
-            <a:schemeClr val="dk1"/>
           </a:effectRef>
           <a:fontRef idx="minor">
             <a:schemeClr val="lt1"/>
@@ -7602,6 +4916,9 @@
                     <p:cTn id="3" fill="hold">
                       <p:stCondLst>
                         <p:cond delay="indefinite"/>
+                        <p:cond evt="onBegin" delay="0">
+                          <p:tn val="2"/>
+                        </p:cond>
                       </p:stCondLst>
                       <p:childTnLst>
                         <p:par>
@@ -7611,66 +4928,14 @@
                             </p:stCondLst>
                             <p:childTnLst>
                               <p:par>
-                                <p:cTn id="5" presetID="10" presetClass="entr" presetSubtype="0" fill="hold" nodeType="clickEffect">
-                                  <p:stCondLst>
-                                    <p:cond delay="0"/>
-                                  </p:stCondLst>
-                                  <p:childTnLst>
-                                    <p:set>
-                                      <p:cBhvr>
-                                        <p:cTn id="6" dur="1" fill="hold">
-                                          <p:stCondLst>
-                                            <p:cond delay="0"/>
-                                          </p:stCondLst>
-                                        </p:cTn>
-                                        <p:tgtEl>
-                                          <p:spTgt spid="14">
-                                            <p:txEl>
-                                              <p:pRg st="0" end="0"/>
-                                            </p:txEl>
-                                          </p:spTgt>
-                                        </p:tgtEl>
-                                        <p:attrNameLst>
-                                          <p:attrName>style.visibility</p:attrName>
-                                        </p:attrNameLst>
-                                      </p:cBhvr>
-                                      <p:to>
-                                        <p:strVal val="visible"/>
-                                      </p:to>
-                                    </p:set>
-                                    <p:animEffect transition="in" filter="fade">
-                                      <p:cBhvr>
-                                        <p:cTn id="7" dur="500"/>
-                                        <p:tgtEl>
-                                          <p:spTgt spid="14">
-                                            <p:txEl>
-                                              <p:pRg st="0" end="0"/>
-                                            </p:txEl>
-                                          </p:spTgt>
-                                        </p:tgtEl>
-                                      </p:cBhvr>
-                                    </p:animEffect>
-                                  </p:childTnLst>
-                                </p:cTn>
-                              </p:par>
-                            </p:childTnLst>
-                          </p:cTn>
-                        </p:par>
-                        <p:par>
-                          <p:cTn id="8" fill="hold">
-                            <p:stCondLst>
-                              <p:cond delay="500"/>
-                            </p:stCondLst>
-                            <p:childTnLst>
-                              <p:par>
-                                <p:cTn id="9" presetID="10" presetClass="entr" presetSubtype="0" fill="hold" grpId="1" nodeType="afterEffect">
+                                <p:cTn id="5" presetID="10" presetClass="entr" presetSubtype="0" fill="hold" grpId="1" nodeType="afterEffect">
                                   <p:stCondLst>
                                     <p:cond delay="1000"/>
                                   </p:stCondLst>
                                   <p:childTnLst>
                                     <p:set>
                                       <p:cBhvr>
-                                        <p:cTn id="10" dur="1" fill="hold">
+                                        <p:cTn id="6" dur="1" fill="hold">
                                           <p:stCondLst>
                                             <p:cond delay="0"/>
                                           </p:stCondLst>
@@ -7688,7 +4953,7 @@
                                     </p:set>
                                     <p:animEffect transition="in" filter="fade">
                                       <p:cBhvr>
-                                        <p:cTn id="11" dur="500"/>
+                                        <p:cTn id="7" dur="500"/>
                                         <p:tgtEl>
                                           <p:spTgt spid="3"/>
                                         </p:tgtEl>
@@ -7701,20 +4966,20 @@
                           </p:cTn>
                         </p:par>
                         <p:par>
-                          <p:cTn id="12" fill="hold">
+                          <p:cTn id="8" fill="hold">
                             <p:stCondLst>
-                              <p:cond delay="2000"/>
+                              <p:cond delay="1500"/>
                             </p:stCondLst>
                             <p:childTnLst>
                               <p:par>
-                                <p:cTn id="13" presetID="10" presetClass="exit" presetSubtype="0" fill="hold" grpId="0" nodeType="afterEffect">
+                                <p:cTn id="9" presetID="10" presetClass="exit" presetSubtype="0" fill="hold" grpId="0" nodeType="afterEffect">
                                   <p:stCondLst>
                                     <p:cond delay="1000"/>
                                   </p:stCondLst>
                                   <p:childTnLst>
                                     <p:animEffect transition="out" filter="fade">
                                       <p:cBhvr>
-                                        <p:cTn id="14" dur="500"/>
+                                        <p:cTn id="10" dur="500"/>
                                         <p:tgtEl>
                                           <p:spTgt spid="3"/>
                                         </p:tgtEl>
@@ -7722,7 +4987,7 @@
                                     </p:animEffect>
                                     <p:set>
                                       <p:cBhvr>
-                                        <p:cTn id="15" dur="1" fill="hold">
+                                        <p:cTn id="11" dur="1" fill="hold">
                                           <p:stCondLst>
                                             <p:cond delay="499"/>
                                           </p:stCondLst>
@@ -7742,57 +5007,14 @@
                                 </p:cTn>
                               </p:par>
                               <p:par>
-                                <p:cTn id="16" presetID="10" presetClass="exit" presetSubtype="0" fill="hold" nodeType="withEffect">
+                                <p:cTn id="12" presetID="10" presetClass="exit" presetSubtype="0" fill="hold" nodeType="withEffect">
                                   <p:stCondLst>
                                     <p:cond delay="1000"/>
                                   </p:stCondLst>
                                   <p:childTnLst>
                                     <p:animEffect transition="out" filter="fade">
                                       <p:cBhvr>
-                                        <p:cTn id="17" dur="500"/>
-                                        <p:tgtEl>
-                                          <p:spTgt spid="14">
-                                            <p:txEl>
-                                              <p:pRg st="0" end="0"/>
-                                            </p:txEl>
-                                          </p:spTgt>
-                                        </p:tgtEl>
-                                      </p:cBhvr>
-                                    </p:animEffect>
-                                    <p:set>
-                                      <p:cBhvr>
-                                        <p:cTn id="18" dur="1" fill="hold">
-                                          <p:stCondLst>
-                                            <p:cond delay="499"/>
-                                          </p:stCondLst>
-                                        </p:cTn>
-                                        <p:tgtEl>
-                                          <p:spTgt spid="14">
-                                            <p:txEl>
-                                              <p:pRg st="0" end="0"/>
-                                            </p:txEl>
-                                          </p:spTgt>
-                                        </p:tgtEl>
-                                        <p:attrNameLst>
-                                          <p:attrName>style.visibility</p:attrName>
-                                        </p:attrNameLst>
-                                      </p:cBhvr>
-                                      <p:to>
-                                        <p:strVal val="hidden"/>
-                                      </p:to>
-                                    </p:set>
-                                  </p:childTnLst>
-                                </p:cTn>
-                              </p:par>
-                              <p:par>
-                                <p:cTn id="19" presetID="10" presetClass="exit" presetSubtype="0" fill="hold" nodeType="withEffect">
-                                  <p:stCondLst>
-                                    <p:cond delay="1000"/>
-                                  </p:stCondLst>
-                                  <p:childTnLst>
-                                    <p:animEffect transition="out" filter="fade">
-                                      <p:cBhvr>
-                                        <p:cTn id="20" dur="500"/>
+                                        <p:cTn id="13" dur="500"/>
                                         <p:tgtEl>
                                           <p:spTgt spid="9">
                                             <p:txEl>
@@ -7804,7 +5026,7 @@
                                     </p:animEffect>
                                     <p:set>
                                       <p:cBhvr>
-                                        <p:cTn id="21" dur="1" fill="hold">
+                                        <p:cTn id="14" dur="1" fill="hold">
                                           <p:stCondLst>
                                             <p:cond delay="499"/>
                                           </p:stCondLst>
@@ -8366,54 +5588,6 @@
           </a:p>
         </p:txBody>
       </p:sp>
-      <p:sp>
-        <p:nvSpPr>
-          <p:cNvPr id="16" name="Rechteck 15">
-            <a:extLst>
-              <a:ext uri="{FF2B5EF4-FFF2-40B4-BE49-F238E27FC236}">
-                <a16:creationId xmlns:a16="http://schemas.microsoft.com/office/drawing/2014/main" id="{124E4818-D675-8DB3-954B-4BBB286166D6}"/>
-              </a:ext>
-            </a:extLst>
-          </p:cNvPr>
-          <p:cNvSpPr/>
-          <p:nvPr/>
-        </p:nvSpPr>
-        <p:spPr>
-          <a:xfrm>
-            <a:off x="343251" y="3632432"/>
-            <a:ext cx="1777767" cy="620785"/>
-          </a:xfrm>
-          <a:prstGeom prst="rect">
-            <a:avLst/>
-          </a:prstGeom>
-          <a:noFill/>
-          <a:ln w="38100"/>
-        </p:spPr>
-        <p:style>
-          <a:lnRef idx="2">
-            <a:schemeClr val="dk1">
-              <a:shade val="50000"/>
-            </a:schemeClr>
-          </a:lnRef>
-          <a:fillRef idx="1">
-            <a:schemeClr val="dk1"/>
-          </a:fillRef>
-          <a:effectRef idx="0">
-            <a:schemeClr val="dk1"/>
-          </a:effectRef>
-          <a:fontRef idx="minor">
-            <a:schemeClr val="lt1"/>
-          </a:fontRef>
-        </p:style>
-        <p:txBody>
-          <a:bodyPr rtlCol="0" anchor="ctr"/>
-          <a:lstStyle/>
-          <a:p>
-            <a:pPr algn="ctr"/>
-            <a:endParaRPr lang="de-DE"/>
-          </a:p>
-        </p:txBody>
-      </p:sp>
     </p:spTree>
     <p:extLst>
       <p:ext uri="{BB962C8B-B14F-4D97-AF65-F5344CB8AC3E}">
@@ -8931,54 +6105,6 @@
           </a:p>
         </p:txBody>
       </p:sp>
-      <p:sp>
-        <p:nvSpPr>
-          <p:cNvPr id="15" name="Rechteck 14">
-            <a:extLst>
-              <a:ext uri="{FF2B5EF4-FFF2-40B4-BE49-F238E27FC236}">
-                <a16:creationId xmlns:a16="http://schemas.microsoft.com/office/drawing/2014/main" id="{B094BF60-5219-A8F4-9782-D36AADFA8841}"/>
-              </a:ext>
-            </a:extLst>
-          </p:cNvPr>
-          <p:cNvSpPr/>
-          <p:nvPr/>
-        </p:nvSpPr>
-        <p:spPr>
-          <a:xfrm>
-            <a:off x="343251" y="3632432"/>
-            <a:ext cx="1777767" cy="620785"/>
-          </a:xfrm>
-          <a:prstGeom prst="rect">
-            <a:avLst/>
-          </a:prstGeom>
-          <a:noFill/>
-          <a:ln w="38100"/>
-        </p:spPr>
-        <p:style>
-          <a:lnRef idx="2">
-            <a:schemeClr val="dk1">
-              <a:shade val="50000"/>
-            </a:schemeClr>
-          </a:lnRef>
-          <a:fillRef idx="1">
-            <a:schemeClr val="dk1"/>
-          </a:fillRef>
-          <a:effectRef idx="0">
-            <a:schemeClr val="dk1"/>
-          </a:effectRef>
-          <a:fontRef idx="minor">
-            <a:schemeClr val="lt1"/>
-          </a:fontRef>
-        </p:style>
-        <p:txBody>
-          <a:bodyPr rtlCol="0" anchor="ctr"/>
-          <a:lstStyle/>
-          <a:p>
-            <a:pPr algn="ctr"/>
-            <a:endParaRPr lang="de-DE"/>
-          </a:p>
-        </p:txBody>
-      </p:sp>
     </p:spTree>
     <p:extLst>
       <p:ext uri="{BB962C8B-B14F-4D97-AF65-F5344CB8AC3E}">
@@ -9496,54 +6622,6 @@
           </a:p>
         </p:txBody>
       </p:sp>
-      <p:sp>
-        <p:nvSpPr>
-          <p:cNvPr id="15" name="Rechteck 14">
-            <a:extLst>
-              <a:ext uri="{FF2B5EF4-FFF2-40B4-BE49-F238E27FC236}">
-                <a16:creationId xmlns:a16="http://schemas.microsoft.com/office/drawing/2014/main" id="{28BF54E7-43BC-9FD1-3FEE-FD5F21F653D1}"/>
-              </a:ext>
-            </a:extLst>
-          </p:cNvPr>
-          <p:cNvSpPr/>
-          <p:nvPr/>
-        </p:nvSpPr>
-        <p:spPr>
-          <a:xfrm>
-            <a:off x="343251" y="3632432"/>
-            <a:ext cx="1777767" cy="620785"/>
-          </a:xfrm>
-          <a:prstGeom prst="rect">
-            <a:avLst/>
-          </a:prstGeom>
-          <a:noFill/>
-          <a:ln w="38100"/>
-        </p:spPr>
-        <p:style>
-          <a:lnRef idx="2">
-            <a:schemeClr val="dk1">
-              <a:shade val="50000"/>
-            </a:schemeClr>
-          </a:lnRef>
-          <a:fillRef idx="1">
-            <a:schemeClr val="dk1"/>
-          </a:fillRef>
-          <a:effectRef idx="0">
-            <a:schemeClr val="dk1"/>
-          </a:effectRef>
-          <a:fontRef idx="minor">
-            <a:schemeClr val="lt1"/>
-          </a:fontRef>
-        </p:style>
-        <p:txBody>
-          <a:bodyPr rtlCol="0" anchor="ctr"/>
-          <a:lstStyle/>
-          <a:p>
-            <a:pPr algn="ctr"/>
-            <a:endParaRPr lang="de-DE"/>
-          </a:p>
-        </p:txBody>
-      </p:sp>
     </p:spTree>
     <p:extLst>
       <p:ext uri="{BB962C8B-B14F-4D97-AF65-F5344CB8AC3E}">
@@ -10064,93 +7142,6 @@
           </a:p>
         </p:txBody>
       </p:sp>
-      <p:sp>
-        <p:nvSpPr>
-          <p:cNvPr id="14" name="Textfeld 13">
-            <a:extLst>
-              <a:ext uri="{FF2B5EF4-FFF2-40B4-BE49-F238E27FC236}">
-                <a16:creationId xmlns:a16="http://schemas.microsoft.com/office/drawing/2014/main" id="{30F43F70-07F5-BB3E-FD9A-FA1E26EC05B5}"/>
-              </a:ext>
-            </a:extLst>
-          </p:cNvPr>
-          <p:cNvSpPr txBox="1"/>
-          <p:nvPr/>
-        </p:nvSpPr>
-        <p:spPr>
-          <a:xfrm>
-            <a:off x="343251" y="3746034"/>
-            <a:ext cx="2280407" cy="369332"/>
-          </a:xfrm>
-          <a:prstGeom prst="rect">
-            <a:avLst/>
-          </a:prstGeom>
-          <a:noFill/>
-        </p:spPr>
-        <p:txBody>
-          <a:bodyPr wrap="square" rtlCol="0">
-            <a:spAutoFit/>
-          </a:bodyPr>
-          <a:lstStyle/>
-          <a:p>
-            <a:r>
-              <a:rPr lang="de-DE" dirty="0" err="1"/>
-              <a:t>add</a:t>
-            </a:r>
-            <a:r>
-              <a:rPr lang="de-DE" dirty="0"/>
-              <a:t>(9);</a:t>
-            </a:r>
-          </a:p>
-        </p:txBody>
-      </p:sp>
-      <p:sp>
-        <p:nvSpPr>
-          <p:cNvPr id="17" name="Rechteck 16">
-            <a:extLst>
-              <a:ext uri="{FF2B5EF4-FFF2-40B4-BE49-F238E27FC236}">
-                <a16:creationId xmlns:a16="http://schemas.microsoft.com/office/drawing/2014/main" id="{BD261FBB-FA14-8FB0-F917-4FF99C3466A0}"/>
-              </a:ext>
-            </a:extLst>
-          </p:cNvPr>
-          <p:cNvSpPr/>
-          <p:nvPr/>
-        </p:nvSpPr>
-        <p:spPr>
-          <a:xfrm>
-            <a:off x="343251" y="3632432"/>
-            <a:ext cx="1777767" cy="620785"/>
-          </a:xfrm>
-          <a:prstGeom prst="rect">
-            <a:avLst/>
-          </a:prstGeom>
-          <a:noFill/>
-          <a:ln w="38100"/>
-        </p:spPr>
-        <p:style>
-          <a:lnRef idx="2">
-            <a:schemeClr val="dk1">
-              <a:shade val="50000"/>
-            </a:schemeClr>
-          </a:lnRef>
-          <a:fillRef idx="1">
-            <a:schemeClr val="dk1"/>
-          </a:fillRef>
-          <a:effectRef idx="0">
-            <a:schemeClr val="dk1"/>
-          </a:effectRef>
-          <a:fontRef idx="minor">
-            <a:schemeClr val="lt1"/>
-          </a:fontRef>
-        </p:style>
-        <p:txBody>
-          <a:bodyPr rtlCol="0" anchor="ctr"/>
-          <a:lstStyle/>
-          <a:p>
-            <a:pPr algn="ctr"/>
-            <a:endParaRPr lang="de-DE"/>
-          </a:p>
-        </p:txBody>
-      </p:sp>
     </p:spTree>
     <p:extLst>
       <p:ext uri="{BB962C8B-B14F-4D97-AF65-F5344CB8AC3E}">
@@ -10173,6 +7164,9 @@
                     <p:cTn id="3" fill="hold">
                       <p:stCondLst>
                         <p:cond delay="indefinite"/>
+                        <p:cond evt="onBegin" delay="0">
+                          <p:tn val="2"/>
+                        </p:cond>
                       </p:stCondLst>
                       <p:childTnLst>
                         <p:par>
@@ -10182,66 +7176,14 @@
                             </p:stCondLst>
                             <p:childTnLst>
                               <p:par>
-                                <p:cTn id="5" presetID="10" presetClass="entr" presetSubtype="0" fill="hold" nodeType="clickEffect">
-                                  <p:stCondLst>
-                                    <p:cond delay="0"/>
-                                  </p:stCondLst>
-                                  <p:childTnLst>
-                                    <p:set>
-                                      <p:cBhvr>
-                                        <p:cTn id="6" dur="1" fill="hold">
-                                          <p:stCondLst>
-                                            <p:cond delay="0"/>
-                                          </p:stCondLst>
-                                        </p:cTn>
-                                        <p:tgtEl>
-                                          <p:spTgt spid="14">
-                                            <p:txEl>
-                                              <p:pRg st="0" end="0"/>
-                                            </p:txEl>
-                                          </p:spTgt>
-                                        </p:tgtEl>
-                                        <p:attrNameLst>
-                                          <p:attrName>style.visibility</p:attrName>
-                                        </p:attrNameLst>
-                                      </p:cBhvr>
-                                      <p:to>
-                                        <p:strVal val="visible"/>
-                                      </p:to>
-                                    </p:set>
-                                    <p:animEffect transition="in" filter="fade">
-                                      <p:cBhvr>
-                                        <p:cTn id="7" dur="500"/>
-                                        <p:tgtEl>
-                                          <p:spTgt spid="14">
-                                            <p:txEl>
-                                              <p:pRg st="0" end="0"/>
-                                            </p:txEl>
-                                          </p:spTgt>
-                                        </p:tgtEl>
-                                      </p:cBhvr>
-                                    </p:animEffect>
-                                  </p:childTnLst>
-                                </p:cTn>
-                              </p:par>
-                            </p:childTnLst>
-                          </p:cTn>
-                        </p:par>
-                        <p:par>
-                          <p:cTn id="8" fill="hold">
-                            <p:stCondLst>
-                              <p:cond delay="500"/>
-                            </p:stCondLst>
-                            <p:childTnLst>
-                              <p:par>
-                                <p:cTn id="9" presetID="10" presetClass="entr" presetSubtype="0" fill="hold" nodeType="afterEffect">
+                                <p:cTn id="5" presetID="10" presetClass="entr" presetSubtype="0" fill="hold" nodeType="afterEffect">
                                   <p:stCondLst>
                                     <p:cond delay="1000"/>
                                   </p:stCondLst>
                                   <p:childTnLst>
                                     <p:set>
                                       <p:cBhvr>
-                                        <p:cTn id="10" dur="1" fill="hold">
+                                        <p:cTn id="6" dur="1" fill="hold">
                                           <p:stCondLst>
                                             <p:cond delay="0"/>
                                           </p:stCondLst>
@@ -10263,7 +7205,7 @@
                                     </p:set>
                                     <p:animEffect transition="in" filter="fade">
                                       <p:cBhvr>
-                                        <p:cTn id="11" dur="500"/>
+                                        <p:cTn id="7" dur="500"/>
                                         <p:tgtEl>
                                           <p:spTgt spid="13">
                                             <p:txEl>
@@ -10273,49 +7215,6 @@
                                         </p:tgtEl>
                                       </p:cBhvr>
                                     </p:animEffect>
-                                  </p:childTnLst>
-                                </p:cTn>
-                              </p:par>
-                              <p:par>
-                                <p:cTn id="12" presetID="10" presetClass="exit" presetSubtype="0" fill="hold" nodeType="withEffect">
-                                  <p:stCondLst>
-                                    <p:cond delay="1000"/>
-                                  </p:stCondLst>
-                                  <p:childTnLst>
-                                    <p:animEffect transition="out" filter="fade">
-                                      <p:cBhvr>
-                                        <p:cTn id="13" dur="500"/>
-                                        <p:tgtEl>
-                                          <p:spTgt spid="14">
-                                            <p:txEl>
-                                              <p:pRg st="0" end="0"/>
-                                            </p:txEl>
-                                          </p:spTgt>
-                                        </p:tgtEl>
-                                      </p:cBhvr>
-                                    </p:animEffect>
-                                    <p:set>
-                                      <p:cBhvr>
-                                        <p:cTn id="14" dur="1" fill="hold">
-                                          <p:stCondLst>
-                                            <p:cond delay="499"/>
-                                          </p:stCondLst>
-                                        </p:cTn>
-                                        <p:tgtEl>
-                                          <p:spTgt spid="14">
-                                            <p:txEl>
-                                              <p:pRg st="0" end="0"/>
-                                            </p:txEl>
-                                          </p:spTgt>
-                                        </p:tgtEl>
-                                        <p:attrNameLst>
-                                          <p:attrName>style.visibility</p:attrName>
-                                        </p:attrNameLst>
-                                      </p:cBhvr>
-                                      <p:to>
-                                        <p:strVal val="hidden"/>
-                                      </p:to>
-                                    </p:set>
                                   </p:childTnLst>
                                 </p:cTn>
                               </p:par>
@@ -12046,93 +8945,6 @@
           </a:fontRef>
         </p:style>
       </p:cxnSp>
-      <p:sp>
-        <p:nvSpPr>
-          <p:cNvPr id="56" name="Textfeld 55">
-            <a:extLst>
-              <a:ext uri="{FF2B5EF4-FFF2-40B4-BE49-F238E27FC236}">
-                <a16:creationId xmlns:a16="http://schemas.microsoft.com/office/drawing/2014/main" id="{4F008424-60C5-F590-BD96-D74AEC1397E9}"/>
-              </a:ext>
-            </a:extLst>
-          </p:cNvPr>
-          <p:cNvSpPr txBox="1"/>
-          <p:nvPr/>
-        </p:nvSpPr>
-        <p:spPr>
-          <a:xfrm>
-            <a:off x="343251" y="3707934"/>
-            <a:ext cx="2280407" cy="369332"/>
-          </a:xfrm>
-          <a:prstGeom prst="rect">
-            <a:avLst/>
-          </a:prstGeom>
-          <a:noFill/>
-        </p:spPr>
-        <p:txBody>
-          <a:bodyPr wrap="square" rtlCol="0">
-            <a:spAutoFit/>
-          </a:bodyPr>
-          <a:lstStyle/>
-          <a:p>
-            <a:r>
-              <a:rPr lang="de-DE" dirty="0" err="1"/>
-              <a:t>add</a:t>
-            </a:r>
-            <a:r>
-              <a:rPr lang="de-DE" dirty="0"/>
-              <a:t>(3);</a:t>
-            </a:r>
-          </a:p>
-        </p:txBody>
-      </p:sp>
-      <p:sp>
-        <p:nvSpPr>
-          <p:cNvPr id="59" name="Rechteck 58">
-            <a:extLst>
-              <a:ext uri="{FF2B5EF4-FFF2-40B4-BE49-F238E27FC236}">
-                <a16:creationId xmlns:a16="http://schemas.microsoft.com/office/drawing/2014/main" id="{ACC1BC97-3E41-3B5D-336A-F1AEC472EFE2}"/>
-              </a:ext>
-            </a:extLst>
-          </p:cNvPr>
-          <p:cNvSpPr/>
-          <p:nvPr/>
-        </p:nvSpPr>
-        <p:spPr>
-          <a:xfrm>
-            <a:off x="343251" y="3632432"/>
-            <a:ext cx="1777767" cy="620785"/>
-          </a:xfrm>
-          <a:prstGeom prst="rect">
-            <a:avLst/>
-          </a:prstGeom>
-          <a:noFill/>
-          <a:ln w="38100"/>
-        </p:spPr>
-        <p:style>
-          <a:lnRef idx="2">
-            <a:schemeClr val="dk1">
-              <a:shade val="50000"/>
-            </a:schemeClr>
-          </a:lnRef>
-          <a:fillRef idx="1">
-            <a:schemeClr val="dk1"/>
-          </a:fillRef>
-          <a:effectRef idx="0">
-            <a:schemeClr val="dk1"/>
-          </a:effectRef>
-          <a:fontRef idx="minor">
-            <a:schemeClr val="lt1"/>
-          </a:fontRef>
-        </p:style>
-        <p:txBody>
-          <a:bodyPr rtlCol="0" anchor="ctr"/>
-          <a:lstStyle/>
-          <a:p>
-            <a:pPr algn="ctr"/>
-            <a:endParaRPr lang="de-DE"/>
-          </a:p>
-        </p:txBody>
-      </p:sp>
     </p:spTree>
     <p:extLst>
       <p:ext uri="{BB962C8B-B14F-4D97-AF65-F5344CB8AC3E}">
@@ -14761,45 +11573,6 @@
       </p:sp>
       <p:sp>
         <p:nvSpPr>
-          <p:cNvPr id="56" name="Textfeld 55">
-            <a:extLst>
-              <a:ext uri="{FF2B5EF4-FFF2-40B4-BE49-F238E27FC236}">
-                <a16:creationId xmlns:a16="http://schemas.microsoft.com/office/drawing/2014/main" id="{4F008424-60C5-F590-BD96-D74AEC1397E9}"/>
-              </a:ext>
-            </a:extLst>
-          </p:cNvPr>
-          <p:cNvSpPr txBox="1"/>
-          <p:nvPr/>
-        </p:nvSpPr>
-        <p:spPr>
-          <a:xfrm>
-            <a:off x="343251" y="3707934"/>
-            <a:ext cx="2280407" cy="369332"/>
-          </a:xfrm>
-          <a:prstGeom prst="rect">
-            <a:avLst/>
-          </a:prstGeom>
-          <a:noFill/>
-        </p:spPr>
-        <p:txBody>
-          <a:bodyPr wrap="square" rtlCol="0">
-            <a:spAutoFit/>
-          </a:bodyPr>
-          <a:lstStyle/>
-          <a:p>
-            <a:r>
-              <a:rPr lang="de-DE" dirty="0" err="1"/>
-              <a:t>add</a:t>
-            </a:r>
-            <a:r>
-              <a:rPr lang="de-DE" dirty="0"/>
-              <a:t>(3);</a:t>
-            </a:r>
-          </a:p>
-        </p:txBody>
-      </p:sp>
-      <p:sp>
-        <p:nvSpPr>
           <p:cNvPr id="57" name="Rechteck 56">
             <a:extLst>
               <a:ext uri="{FF2B5EF4-FFF2-40B4-BE49-F238E27FC236}">
@@ -14844,54 +11617,6 @@
               <a:rPr lang="de-DE" dirty="0"/>
               <a:t>3</a:t>
             </a:r>
-          </a:p>
-        </p:txBody>
-      </p:sp>
-      <p:sp>
-        <p:nvSpPr>
-          <p:cNvPr id="59" name="Rechteck 58">
-            <a:extLst>
-              <a:ext uri="{FF2B5EF4-FFF2-40B4-BE49-F238E27FC236}">
-                <a16:creationId xmlns:a16="http://schemas.microsoft.com/office/drawing/2014/main" id="{7FA74713-AE2A-49E1-418F-6734A543837A}"/>
-              </a:ext>
-            </a:extLst>
-          </p:cNvPr>
-          <p:cNvSpPr/>
-          <p:nvPr/>
-        </p:nvSpPr>
-        <p:spPr>
-          <a:xfrm>
-            <a:off x="343251" y="3632432"/>
-            <a:ext cx="1777767" cy="620785"/>
-          </a:xfrm>
-          <a:prstGeom prst="rect">
-            <a:avLst/>
-          </a:prstGeom>
-          <a:noFill/>
-          <a:ln w="38100"/>
-        </p:spPr>
-        <p:style>
-          <a:lnRef idx="2">
-            <a:schemeClr val="dk1">
-              <a:shade val="50000"/>
-            </a:schemeClr>
-          </a:lnRef>
-          <a:fillRef idx="1">
-            <a:schemeClr val="dk1"/>
-          </a:fillRef>
-          <a:effectRef idx="0">
-            <a:schemeClr val="dk1"/>
-          </a:effectRef>
-          <a:fontRef idx="minor">
-            <a:schemeClr val="lt1"/>
-          </a:fontRef>
-        </p:style>
-        <p:txBody>
-          <a:bodyPr rtlCol="0" anchor="ctr"/>
-          <a:lstStyle/>
-          <a:p>
-            <a:pPr algn="ctr"/>
-            <a:endParaRPr lang="de-DE"/>
           </a:p>
         </p:txBody>
       </p:sp>
@@ -15655,49 +12380,6 @@
                                   </p:childTnLst>
                                 </p:cTn>
                               </p:par>
-                              <p:par>
-                                <p:cTn id="71" presetID="10" presetClass="exit" presetSubtype="0" fill="hold" nodeType="withEffect">
-                                  <p:stCondLst>
-                                    <p:cond delay="0"/>
-                                  </p:stCondLst>
-                                  <p:childTnLst>
-                                    <p:animEffect transition="out" filter="fade">
-                                      <p:cBhvr>
-                                        <p:cTn id="72" dur="500"/>
-                                        <p:tgtEl>
-                                          <p:spTgt spid="56">
-                                            <p:txEl>
-                                              <p:pRg st="0" end="0"/>
-                                            </p:txEl>
-                                          </p:spTgt>
-                                        </p:tgtEl>
-                                      </p:cBhvr>
-                                    </p:animEffect>
-                                    <p:set>
-                                      <p:cBhvr>
-                                        <p:cTn id="73" dur="1" fill="hold">
-                                          <p:stCondLst>
-                                            <p:cond delay="499"/>
-                                          </p:stCondLst>
-                                        </p:cTn>
-                                        <p:tgtEl>
-                                          <p:spTgt spid="56">
-                                            <p:txEl>
-                                              <p:pRg st="0" end="0"/>
-                                            </p:txEl>
-                                          </p:spTgt>
-                                        </p:tgtEl>
-                                        <p:attrNameLst>
-                                          <p:attrName>style.visibility</p:attrName>
-                                        </p:attrNameLst>
-                                      </p:cBhvr>
-                                      <p:to>
-                                        <p:strVal val="hidden"/>
-                                      </p:to>
-                                    </p:set>
-                                  </p:childTnLst>
-                                </p:cTn>
-                              </p:par>
                             </p:childTnLst>
                           </p:cTn>
                         </p:par>
@@ -15754,544 +12436,6 @@
       <p:bldP spid="57" grpId="0" animBg="1"/>
     </p:bldLst>
   </p:timing>
-</p:sld>
-</file>
-
-<file path=ppt/slides/slide9.xml><?xml version="1.0" encoding="utf-8"?>
-<p:sld xmlns:a="http://schemas.openxmlformats.org/drawingml/2006/main" xmlns:r="http://schemas.openxmlformats.org/officeDocument/2006/relationships" xmlns:p="http://schemas.openxmlformats.org/presentationml/2006/main">
-  <p:cSld>
-    <p:spTree>
-      <p:nvGrpSpPr>
-        <p:cNvPr id="1" name=""/>
-        <p:cNvGrpSpPr/>
-        <p:nvPr/>
-      </p:nvGrpSpPr>
-      <p:grpSpPr>
-        <a:xfrm>
-          <a:off x="0" y="0"/>
-          <a:ext cx="0" cy="0"/>
-          <a:chOff x="0" y="0"/>
-          <a:chExt cx="0" cy="0"/>
-        </a:xfrm>
-      </p:grpSpPr>
-      <p:sp>
-        <p:nvSpPr>
-          <p:cNvPr id="4" name="Rechteck 3">
-            <a:extLst>
-              <a:ext uri="{FF2B5EF4-FFF2-40B4-BE49-F238E27FC236}">
-                <a16:creationId xmlns:a16="http://schemas.microsoft.com/office/drawing/2014/main" id="{8A7F47CC-744A-C11C-2FB5-E6FC78DE3FB6}"/>
-              </a:ext>
-            </a:extLst>
-          </p:cNvPr>
-          <p:cNvSpPr/>
-          <p:nvPr/>
-        </p:nvSpPr>
-        <p:spPr>
-          <a:xfrm>
-            <a:off x="1483455" y="721448"/>
-            <a:ext cx="637563" cy="620785"/>
-          </a:xfrm>
-          <a:prstGeom prst="rect">
-            <a:avLst/>
-          </a:prstGeom>
-        </p:spPr>
-        <p:style>
-          <a:lnRef idx="2">
-            <a:schemeClr val="accent1">
-              <a:shade val="50000"/>
-            </a:schemeClr>
-          </a:lnRef>
-          <a:fillRef idx="1">
-            <a:schemeClr val="accent1"/>
-          </a:fillRef>
-          <a:effectRef idx="0">
-            <a:schemeClr val="accent1"/>
-          </a:effectRef>
-          <a:fontRef idx="minor">
-            <a:schemeClr val="lt1"/>
-          </a:fontRef>
-        </p:style>
-        <p:txBody>
-          <a:bodyPr rtlCol="0" anchor="ctr"/>
-          <a:lstStyle/>
-          <a:p>
-            <a:pPr algn="ctr"/>
-            <a:endParaRPr lang="de-DE" dirty="0"/>
-          </a:p>
-        </p:txBody>
-      </p:sp>
-      <p:sp>
-        <p:nvSpPr>
-          <p:cNvPr id="5" name="Rechteck 4">
-            <a:extLst>
-              <a:ext uri="{FF2B5EF4-FFF2-40B4-BE49-F238E27FC236}">
-                <a16:creationId xmlns:a16="http://schemas.microsoft.com/office/drawing/2014/main" id="{41E59B92-CC1C-4917-FB04-01655B3B2CC9}"/>
-              </a:ext>
-            </a:extLst>
-          </p:cNvPr>
-          <p:cNvSpPr/>
-          <p:nvPr/>
-        </p:nvSpPr>
-        <p:spPr>
-          <a:xfrm>
-            <a:off x="2121018" y="721447"/>
-            <a:ext cx="637563" cy="620785"/>
-          </a:xfrm>
-          <a:prstGeom prst="rect">
-            <a:avLst/>
-          </a:prstGeom>
-        </p:spPr>
-        <p:style>
-          <a:lnRef idx="2">
-            <a:schemeClr val="accent1">
-              <a:shade val="50000"/>
-            </a:schemeClr>
-          </a:lnRef>
-          <a:fillRef idx="1">
-            <a:schemeClr val="accent1"/>
-          </a:fillRef>
-          <a:effectRef idx="0">
-            <a:schemeClr val="accent1"/>
-          </a:effectRef>
-          <a:fontRef idx="minor">
-            <a:schemeClr val="lt1"/>
-          </a:fontRef>
-        </p:style>
-        <p:txBody>
-          <a:bodyPr rtlCol="0" anchor="ctr"/>
-          <a:lstStyle/>
-          <a:p>
-            <a:pPr algn="ctr"/>
-            <a:endParaRPr lang="de-DE"/>
-          </a:p>
-        </p:txBody>
-      </p:sp>
-      <p:sp>
-        <p:nvSpPr>
-          <p:cNvPr id="6" name="Rechteck 5">
-            <a:extLst>
-              <a:ext uri="{FF2B5EF4-FFF2-40B4-BE49-F238E27FC236}">
-                <a16:creationId xmlns:a16="http://schemas.microsoft.com/office/drawing/2014/main" id="{DACD0B71-5BF3-7FC1-3692-5009DB2628C4}"/>
-              </a:ext>
-            </a:extLst>
-          </p:cNvPr>
-          <p:cNvSpPr/>
-          <p:nvPr/>
-        </p:nvSpPr>
-        <p:spPr>
-          <a:xfrm>
-            <a:off x="2758581" y="721446"/>
-            <a:ext cx="637563" cy="620785"/>
-          </a:xfrm>
-          <a:prstGeom prst="rect">
-            <a:avLst/>
-          </a:prstGeom>
-        </p:spPr>
-        <p:style>
-          <a:lnRef idx="2">
-            <a:schemeClr val="accent1">
-              <a:shade val="50000"/>
-            </a:schemeClr>
-          </a:lnRef>
-          <a:fillRef idx="1">
-            <a:schemeClr val="accent1"/>
-          </a:fillRef>
-          <a:effectRef idx="0">
-            <a:schemeClr val="accent1"/>
-          </a:effectRef>
-          <a:fontRef idx="minor">
-            <a:schemeClr val="lt1"/>
-          </a:fontRef>
-        </p:style>
-        <p:txBody>
-          <a:bodyPr rtlCol="0" anchor="ctr"/>
-          <a:lstStyle/>
-          <a:p>
-            <a:pPr algn="ctr"/>
-            <a:endParaRPr lang="de-DE"/>
-          </a:p>
-        </p:txBody>
-      </p:sp>
-      <p:sp>
-        <p:nvSpPr>
-          <p:cNvPr id="7" name="Rechteck 6">
-            <a:extLst>
-              <a:ext uri="{FF2B5EF4-FFF2-40B4-BE49-F238E27FC236}">
-                <a16:creationId xmlns:a16="http://schemas.microsoft.com/office/drawing/2014/main" id="{A9321773-DA28-F97F-846B-D068A1F58B97}"/>
-              </a:ext>
-            </a:extLst>
-          </p:cNvPr>
-          <p:cNvSpPr/>
-          <p:nvPr/>
-        </p:nvSpPr>
-        <p:spPr>
-          <a:xfrm>
-            <a:off x="3396144" y="721445"/>
-            <a:ext cx="637563" cy="620785"/>
-          </a:xfrm>
-          <a:prstGeom prst="rect">
-            <a:avLst/>
-          </a:prstGeom>
-        </p:spPr>
-        <p:style>
-          <a:lnRef idx="2">
-            <a:schemeClr val="accent1">
-              <a:shade val="50000"/>
-            </a:schemeClr>
-          </a:lnRef>
-          <a:fillRef idx="1">
-            <a:schemeClr val="accent1"/>
-          </a:fillRef>
-          <a:effectRef idx="0">
-            <a:schemeClr val="accent1"/>
-          </a:effectRef>
-          <a:fontRef idx="minor">
-            <a:schemeClr val="lt1"/>
-          </a:fontRef>
-        </p:style>
-        <p:txBody>
-          <a:bodyPr rtlCol="0" anchor="ctr"/>
-          <a:lstStyle/>
-          <a:p>
-            <a:pPr algn="ctr"/>
-            <a:endParaRPr lang="de-DE"/>
-          </a:p>
-        </p:txBody>
-      </p:sp>
-      <p:sp>
-        <p:nvSpPr>
-          <p:cNvPr id="8" name="Rechteck 7">
-            <a:extLst>
-              <a:ext uri="{FF2B5EF4-FFF2-40B4-BE49-F238E27FC236}">
-                <a16:creationId xmlns:a16="http://schemas.microsoft.com/office/drawing/2014/main" id="{A36EA94E-8940-46B3-079F-4AF702CE5864}"/>
-              </a:ext>
-            </a:extLst>
-          </p:cNvPr>
-          <p:cNvSpPr/>
-          <p:nvPr/>
-        </p:nvSpPr>
-        <p:spPr>
-          <a:xfrm>
-            <a:off x="4033707" y="721446"/>
-            <a:ext cx="637563" cy="620785"/>
-          </a:xfrm>
-          <a:prstGeom prst="rect">
-            <a:avLst/>
-          </a:prstGeom>
-        </p:spPr>
-        <p:style>
-          <a:lnRef idx="2">
-            <a:schemeClr val="accent1">
-              <a:shade val="50000"/>
-            </a:schemeClr>
-          </a:lnRef>
-          <a:fillRef idx="1">
-            <a:schemeClr val="accent1"/>
-          </a:fillRef>
-          <a:effectRef idx="0">
-            <a:schemeClr val="accent1"/>
-          </a:effectRef>
-          <a:fontRef idx="minor">
-            <a:schemeClr val="lt1"/>
-          </a:fontRef>
-        </p:style>
-        <p:txBody>
-          <a:bodyPr rtlCol="0" anchor="ctr"/>
-          <a:lstStyle/>
-          <a:p>
-            <a:pPr algn="ctr"/>
-            <a:endParaRPr lang="de-DE"/>
-          </a:p>
-        </p:txBody>
-      </p:sp>
-      <p:sp>
-        <p:nvSpPr>
-          <p:cNvPr id="9" name="Rechteck 8">
-            <a:extLst>
-              <a:ext uri="{FF2B5EF4-FFF2-40B4-BE49-F238E27FC236}">
-                <a16:creationId xmlns:a16="http://schemas.microsoft.com/office/drawing/2014/main" id="{7DE92587-3216-0574-04F3-0215968C4B79}"/>
-              </a:ext>
-            </a:extLst>
-          </p:cNvPr>
-          <p:cNvSpPr/>
-          <p:nvPr/>
-        </p:nvSpPr>
-        <p:spPr>
-          <a:xfrm>
-            <a:off x="4671270" y="721446"/>
-            <a:ext cx="637563" cy="620785"/>
-          </a:xfrm>
-          <a:prstGeom prst="rect">
-            <a:avLst/>
-          </a:prstGeom>
-        </p:spPr>
-        <p:style>
-          <a:lnRef idx="2">
-            <a:schemeClr val="accent1">
-              <a:shade val="50000"/>
-            </a:schemeClr>
-          </a:lnRef>
-          <a:fillRef idx="1">
-            <a:schemeClr val="accent1"/>
-          </a:fillRef>
-          <a:effectRef idx="0">
-            <a:schemeClr val="accent1"/>
-          </a:effectRef>
-          <a:fontRef idx="minor">
-            <a:schemeClr val="lt1"/>
-          </a:fontRef>
-        </p:style>
-        <p:txBody>
-          <a:bodyPr rtlCol="0" anchor="ctr"/>
-          <a:lstStyle/>
-          <a:p>
-            <a:pPr algn="ctr"/>
-            <a:endParaRPr lang="de-DE"/>
-          </a:p>
-        </p:txBody>
-      </p:sp>
-      <p:sp>
-        <p:nvSpPr>
-          <p:cNvPr id="10" name="Rechteck 9">
-            <a:extLst>
-              <a:ext uri="{FF2B5EF4-FFF2-40B4-BE49-F238E27FC236}">
-                <a16:creationId xmlns:a16="http://schemas.microsoft.com/office/drawing/2014/main" id="{AFD5DCAD-36FA-1168-8EEB-9725E122926D}"/>
-              </a:ext>
-            </a:extLst>
-          </p:cNvPr>
-          <p:cNvSpPr/>
-          <p:nvPr/>
-        </p:nvSpPr>
-        <p:spPr>
-          <a:xfrm>
-            <a:off x="5308833" y="721446"/>
-            <a:ext cx="637563" cy="620785"/>
-          </a:xfrm>
-          <a:prstGeom prst="rect">
-            <a:avLst/>
-          </a:prstGeom>
-        </p:spPr>
-        <p:style>
-          <a:lnRef idx="2">
-            <a:schemeClr val="accent1">
-              <a:shade val="50000"/>
-            </a:schemeClr>
-          </a:lnRef>
-          <a:fillRef idx="1">
-            <a:schemeClr val="accent1"/>
-          </a:fillRef>
-          <a:effectRef idx="0">
-            <a:schemeClr val="accent1"/>
-          </a:effectRef>
-          <a:fontRef idx="minor">
-            <a:schemeClr val="lt1"/>
-          </a:fontRef>
-        </p:style>
-        <p:txBody>
-          <a:bodyPr rtlCol="0" anchor="ctr"/>
-          <a:lstStyle/>
-          <a:p>
-            <a:pPr algn="ctr"/>
-            <a:endParaRPr lang="de-DE"/>
-          </a:p>
-        </p:txBody>
-      </p:sp>
-      <p:sp>
-        <p:nvSpPr>
-          <p:cNvPr id="11" name="Rechteck 10">
-            <a:extLst>
-              <a:ext uri="{FF2B5EF4-FFF2-40B4-BE49-F238E27FC236}">
-                <a16:creationId xmlns:a16="http://schemas.microsoft.com/office/drawing/2014/main" id="{28762E7C-E36D-5E8C-F893-179EEB409785}"/>
-              </a:ext>
-            </a:extLst>
-          </p:cNvPr>
-          <p:cNvSpPr/>
-          <p:nvPr/>
-        </p:nvSpPr>
-        <p:spPr>
-          <a:xfrm>
-            <a:off x="5946396" y="721446"/>
-            <a:ext cx="637563" cy="620785"/>
-          </a:xfrm>
-          <a:prstGeom prst="rect">
-            <a:avLst/>
-          </a:prstGeom>
-        </p:spPr>
-        <p:style>
-          <a:lnRef idx="2">
-            <a:schemeClr val="accent1">
-              <a:shade val="50000"/>
-            </a:schemeClr>
-          </a:lnRef>
-          <a:fillRef idx="1">
-            <a:schemeClr val="accent1"/>
-          </a:fillRef>
-          <a:effectRef idx="0">
-            <a:schemeClr val="accent1"/>
-          </a:effectRef>
-          <a:fontRef idx="minor">
-            <a:schemeClr val="lt1"/>
-          </a:fontRef>
-        </p:style>
-        <p:txBody>
-          <a:bodyPr rtlCol="0" anchor="ctr"/>
-          <a:lstStyle/>
-          <a:p>
-            <a:pPr algn="ctr"/>
-            <a:endParaRPr lang="de-DE"/>
-          </a:p>
-        </p:txBody>
-      </p:sp>
-      <p:sp>
-        <p:nvSpPr>
-          <p:cNvPr id="12" name="Rechteck 11">
-            <a:extLst>
-              <a:ext uri="{FF2B5EF4-FFF2-40B4-BE49-F238E27FC236}">
-                <a16:creationId xmlns:a16="http://schemas.microsoft.com/office/drawing/2014/main" id="{EA7C328B-3ED7-C6C6-CF3F-FD5480D904A7}"/>
-              </a:ext>
-            </a:extLst>
-          </p:cNvPr>
-          <p:cNvSpPr/>
-          <p:nvPr/>
-        </p:nvSpPr>
-        <p:spPr>
-          <a:xfrm>
-            <a:off x="6583959" y="721446"/>
-            <a:ext cx="637563" cy="620785"/>
-          </a:xfrm>
-          <a:prstGeom prst="rect">
-            <a:avLst/>
-          </a:prstGeom>
-        </p:spPr>
-        <p:style>
-          <a:lnRef idx="2">
-            <a:schemeClr val="accent1">
-              <a:shade val="50000"/>
-            </a:schemeClr>
-          </a:lnRef>
-          <a:fillRef idx="1">
-            <a:schemeClr val="accent1"/>
-          </a:fillRef>
-          <a:effectRef idx="0">
-            <a:schemeClr val="accent1"/>
-          </a:effectRef>
-          <a:fontRef idx="minor">
-            <a:schemeClr val="lt1"/>
-          </a:fontRef>
-        </p:style>
-        <p:txBody>
-          <a:bodyPr rtlCol="0" anchor="ctr"/>
-          <a:lstStyle/>
-          <a:p>
-            <a:pPr algn="ctr"/>
-            <a:endParaRPr lang="de-DE"/>
-          </a:p>
-        </p:txBody>
-      </p:sp>
-      <p:sp>
-        <p:nvSpPr>
-          <p:cNvPr id="13" name="Rechteck 12">
-            <a:extLst>
-              <a:ext uri="{FF2B5EF4-FFF2-40B4-BE49-F238E27FC236}">
-                <a16:creationId xmlns:a16="http://schemas.microsoft.com/office/drawing/2014/main" id="{FB142C7D-B749-FB16-9995-2C421B13C4DA}"/>
-              </a:ext>
-            </a:extLst>
-          </p:cNvPr>
-          <p:cNvSpPr/>
-          <p:nvPr/>
-        </p:nvSpPr>
-        <p:spPr>
-          <a:xfrm>
-            <a:off x="7221522" y="721445"/>
-            <a:ext cx="637563" cy="620785"/>
-          </a:xfrm>
-          <a:prstGeom prst="rect">
-            <a:avLst/>
-          </a:prstGeom>
-        </p:spPr>
-        <p:style>
-          <a:lnRef idx="2">
-            <a:schemeClr val="accent1">
-              <a:shade val="50000"/>
-            </a:schemeClr>
-          </a:lnRef>
-          <a:fillRef idx="1">
-            <a:schemeClr val="accent1"/>
-          </a:fillRef>
-          <a:effectRef idx="0">
-            <a:schemeClr val="accent1"/>
-          </a:effectRef>
-          <a:fontRef idx="minor">
-            <a:schemeClr val="lt1"/>
-          </a:fontRef>
-        </p:style>
-        <p:txBody>
-          <a:bodyPr rtlCol="0" anchor="ctr"/>
-          <a:lstStyle/>
-          <a:p>
-            <a:pPr algn="ctr"/>
-            <a:endParaRPr lang="de-DE"/>
-          </a:p>
-        </p:txBody>
-      </p:sp>
-      <p:sp>
-        <p:nvSpPr>
-          <p:cNvPr id="91" name="Rechteck 90">
-            <a:extLst>
-              <a:ext uri="{FF2B5EF4-FFF2-40B4-BE49-F238E27FC236}">
-                <a16:creationId xmlns:a16="http://schemas.microsoft.com/office/drawing/2014/main" id="{C63BA04E-E547-83D6-C124-91958422327B}"/>
-              </a:ext>
-            </a:extLst>
-          </p:cNvPr>
-          <p:cNvSpPr/>
-          <p:nvPr/>
-        </p:nvSpPr>
-        <p:spPr>
-          <a:xfrm>
-            <a:off x="343251" y="3632432"/>
-            <a:ext cx="1777767" cy="620785"/>
-          </a:xfrm>
-          <a:prstGeom prst="rect">
-            <a:avLst/>
-          </a:prstGeom>
-          <a:noFill/>
-          <a:ln w="38100"/>
-        </p:spPr>
-        <p:style>
-          <a:lnRef idx="2">
-            <a:schemeClr val="dk1">
-              <a:shade val="50000"/>
-            </a:schemeClr>
-          </a:lnRef>
-          <a:fillRef idx="1">
-            <a:schemeClr val="dk1"/>
-          </a:fillRef>
-          <a:effectRef idx="0">
-            <a:schemeClr val="dk1"/>
-          </a:effectRef>
-          <a:fontRef idx="minor">
-            <a:schemeClr val="lt1"/>
-          </a:fontRef>
-        </p:style>
-        <p:txBody>
-          <a:bodyPr rtlCol="0" anchor="ctr"/>
-          <a:lstStyle/>
-          <a:p>
-            <a:pPr algn="ctr"/>
-            <a:endParaRPr lang="de-DE"/>
-          </a:p>
-        </p:txBody>
-      </p:sp>
-    </p:spTree>
-    <p:extLst>
-      <p:ext uri="{BB962C8B-B14F-4D97-AF65-F5344CB8AC3E}">
-        <p14:creationId xmlns:p14="http://schemas.microsoft.com/office/powerpoint/2010/main" val="1620639328"/>
-      </p:ext>
-    </p:extLst>
-  </p:cSld>
-  <p:clrMapOvr>
-    <a:masterClrMapping/>
-  </p:clrMapOvr>
 </p:sld>
 </file>
 
